--- a/05 ReactWebParts.pptx
+++ b/05 ReactWebParts.pptx
@@ -5,28 +5,33 @@
     <p:sldMasterId id="2147483648" r:id="rId5"/>
   </p:sldMasterIdLst>
   <p:notesMasterIdLst>
-    <p:notesMasterId r:id="rId22"/>
+    <p:notesMasterId r:id="rId27"/>
   </p:notesMasterIdLst>
   <p:handoutMasterIdLst>
-    <p:handoutMasterId r:id="rId23"/>
+    <p:handoutMasterId r:id="rId28"/>
   </p:handoutMasterIdLst>
   <p:sldIdLst>
     <p:sldId id="279" r:id="rId6"/>
     <p:sldId id="281" r:id="rId7"/>
-    <p:sldId id="1553" r:id="rId8"/>
-    <p:sldId id="1551" r:id="rId9"/>
-    <p:sldId id="1558" r:id="rId10"/>
-    <p:sldId id="1559" r:id="rId11"/>
-    <p:sldId id="1560" r:id="rId12"/>
-    <p:sldId id="1561" r:id="rId13"/>
-    <p:sldId id="1565" r:id="rId14"/>
-    <p:sldId id="1566" r:id="rId15"/>
-    <p:sldId id="1569" r:id="rId16"/>
-    <p:sldId id="1570" r:id="rId17"/>
-    <p:sldId id="1573" r:id="rId18"/>
-    <p:sldId id="1579" r:id="rId19"/>
-    <p:sldId id="1580" r:id="rId20"/>
-    <p:sldId id="1581" r:id="rId21"/>
+    <p:sldId id="1586" r:id="rId8"/>
+    <p:sldId id="1581" r:id="rId9"/>
+    <p:sldId id="1582" r:id="rId10"/>
+    <p:sldId id="1585" r:id="rId11"/>
+    <p:sldId id="1553" r:id="rId12"/>
+    <p:sldId id="1551" r:id="rId13"/>
+    <p:sldId id="1558" r:id="rId14"/>
+    <p:sldId id="1559" r:id="rId15"/>
+    <p:sldId id="1560" r:id="rId16"/>
+    <p:sldId id="1561" r:id="rId17"/>
+    <p:sldId id="1565" r:id="rId18"/>
+    <p:sldId id="1566" r:id="rId19"/>
+    <p:sldId id="1569" r:id="rId20"/>
+    <p:sldId id="1570" r:id="rId21"/>
+    <p:sldId id="1573" r:id="rId22"/>
+    <p:sldId id="1579" r:id="rId23"/>
+    <p:sldId id="1580" r:id="rId24"/>
+    <p:sldId id="1583" r:id="rId25"/>
+    <p:sldId id="1584" r:id="rId26"/>
   </p:sldIdLst>
   <p:sldSz cx="9144000" cy="6858000" type="screen4x3"/>
   <p:notesSz cx="7315200" cy="9601200"/>
@@ -830,6 +835,264 @@
           <a:bodyPr/>
           <a:lstStyle/>
           <a:p>
+            <a:pPr marL="0" marR="0" indent="0" algn="l" defTabSz="914400" rtl="0" eaLnBrk="1" fontAlgn="auto" latinLnBrk="0" hangingPunct="1">
+              <a:lnSpc>
+                <a:spcPct val="100000"/>
+              </a:lnSpc>
+              <a:spcBef>
+                <a:spcPts val="0"/>
+              </a:spcBef>
+              <a:spcAft>
+                <a:spcPts val="0"/>
+              </a:spcAft>
+              <a:buClrTx/>
+              <a:buSzTx/>
+              <a:buFontTx/>
+              <a:buNone/>
+              <a:tabLst/>
+              <a:defRPr/>
+            </a:pPr>
+            <a:endParaRPr lang="en-US" sz="1200" kern="1200" baseline="0" dirty="0">
+              <a:solidFill>
+                <a:schemeClr val="tx1"/>
+              </a:solidFill>
+              <a:effectLst/>
+              <a:latin typeface="+mn-lt"/>
+              <a:ea typeface="+mn-ea"/>
+              <a:cs typeface="+mn-cs"/>
+            </a:endParaRPr>
+          </a:p>
+        </p:txBody>
+      </p:sp>
+    </p:spTree>
+    <p:extLst>
+      <p:ext uri="{BB962C8B-B14F-4D97-AF65-F5344CB8AC3E}">
+        <p14:creationId xmlns:p14="http://schemas.microsoft.com/office/powerpoint/2010/main" val="1617680484"/>
+      </p:ext>
+    </p:extLst>
+  </p:cSld>
+  <p:clrMapOvr>
+    <a:masterClrMapping/>
+  </p:clrMapOvr>
+</p:notes>
+</file>
+
+<file path=ppt/notesSlides/notesSlide4.xml><?xml version="1.0" encoding="utf-8"?>
+<p:notes xmlns:a="http://schemas.openxmlformats.org/drawingml/2006/main" xmlns:r="http://schemas.openxmlformats.org/officeDocument/2006/relationships" xmlns:p="http://schemas.openxmlformats.org/presentationml/2006/main">
+  <p:cSld>
+    <p:spTree>
+      <p:nvGrpSpPr>
+        <p:cNvPr id="1" name=""/>
+        <p:cNvGrpSpPr/>
+        <p:nvPr/>
+      </p:nvGrpSpPr>
+      <p:grpSpPr>
+        <a:xfrm>
+          <a:off x="0" y="0"/>
+          <a:ext cx="0" cy="0"/>
+          <a:chOff x="0" y="0"/>
+          <a:chExt cx="0" cy="0"/>
+        </a:xfrm>
+      </p:grpSpPr>
+      <p:sp>
+        <p:nvSpPr>
+          <p:cNvPr id="2" name="Slide Image Placeholder 1"/>
+          <p:cNvSpPr>
+            <a:spLocks noGrp="1" noRot="1" noChangeAspect="1"/>
+          </p:cNvSpPr>
+          <p:nvPr>
+            <p:ph type="sldImg"/>
+          </p:nvPr>
+        </p:nvSpPr>
+        <p:spPr/>
+      </p:sp>
+      <p:sp>
+        <p:nvSpPr>
+          <p:cNvPr id="3" name="Notes Placeholder 2"/>
+          <p:cNvSpPr>
+            <a:spLocks noGrp="1"/>
+          </p:cNvSpPr>
+          <p:nvPr>
+            <p:ph type="body" idx="1"/>
+          </p:nvPr>
+        </p:nvSpPr>
+        <p:spPr/>
+        <p:txBody>
+          <a:bodyPr/>
+          <a:lstStyle/>
+          <a:p>
+            <a:pPr marL="0" marR="0" indent="0" algn="l" defTabSz="914400" rtl="0" eaLnBrk="1" fontAlgn="auto" latinLnBrk="0" hangingPunct="1">
+              <a:lnSpc>
+                <a:spcPct val="100000"/>
+              </a:lnSpc>
+              <a:spcBef>
+                <a:spcPts val="0"/>
+              </a:spcBef>
+              <a:spcAft>
+                <a:spcPts val="0"/>
+              </a:spcAft>
+              <a:buClrTx/>
+              <a:buSzTx/>
+              <a:buFontTx/>
+              <a:buNone/>
+              <a:tabLst/>
+              <a:defRPr/>
+            </a:pPr>
+            <a:endParaRPr lang="en-US" sz="1200" kern="1200" baseline="0" dirty="0">
+              <a:solidFill>
+                <a:schemeClr val="tx1"/>
+              </a:solidFill>
+              <a:effectLst/>
+              <a:latin typeface="+mn-lt"/>
+              <a:ea typeface="+mn-ea"/>
+              <a:cs typeface="+mn-cs"/>
+            </a:endParaRPr>
+          </a:p>
+        </p:txBody>
+      </p:sp>
+    </p:spTree>
+    <p:extLst>
+      <p:ext uri="{BB962C8B-B14F-4D97-AF65-F5344CB8AC3E}">
+        <p14:creationId xmlns:p14="http://schemas.microsoft.com/office/powerpoint/2010/main" val="1694826938"/>
+      </p:ext>
+    </p:extLst>
+  </p:cSld>
+  <p:clrMapOvr>
+    <a:masterClrMapping/>
+  </p:clrMapOvr>
+</p:notes>
+</file>
+
+<file path=ppt/notesSlides/notesSlide5.xml><?xml version="1.0" encoding="utf-8"?>
+<p:notes xmlns:a="http://schemas.openxmlformats.org/drawingml/2006/main" xmlns:r="http://schemas.openxmlformats.org/officeDocument/2006/relationships" xmlns:p="http://schemas.openxmlformats.org/presentationml/2006/main">
+  <p:cSld>
+    <p:spTree>
+      <p:nvGrpSpPr>
+        <p:cNvPr id="1" name=""/>
+        <p:cNvGrpSpPr/>
+        <p:nvPr/>
+      </p:nvGrpSpPr>
+      <p:grpSpPr>
+        <a:xfrm>
+          <a:off x="0" y="0"/>
+          <a:ext cx="0" cy="0"/>
+          <a:chOff x="0" y="0"/>
+          <a:chExt cx="0" cy="0"/>
+        </a:xfrm>
+      </p:grpSpPr>
+      <p:sp>
+        <p:nvSpPr>
+          <p:cNvPr id="2" name="Slide Image Placeholder 1"/>
+          <p:cNvSpPr>
+            <a:spLocks noGrp="1" noRot="1" noChangeAspect="1"/>
+          </p:cNvSpPr>
+          <p:nvPr>
+            <p:ph type="sldImg"/>
+          </p:nvPr>
+        </p:nvSpPr>
+        <p:spPr/>
+      </p:sp>
+      <p:sp>
+        <p:nvSpPr>
+          <p:cNvPr id="3" name="Notes Placeholder 2"/>
+          <p:cNvSpPr>
+            <a:spLocks noGrp="1"/>
+          </p:cNvSpPr>
+          <p:nvPr>
+            <p:ph type="body" idx="1"/>
+          </p:nvPr>
+        </p:nvSpPr>
+        <p:spPr/>
+        <p:txBody>
+          <a:bodyPr/>
+          <a:lstStyle/>
+          <a:p>
+            <a:pPr marL="0" marR="0" indent="0" algn="l" defTabSz="914400" rtl="0" eaLnBrk="1" fontAlgn="auto" latinLnBrk="0" hangingPunct="1">
+              <a:lnSpc>
+                <a:spcPct val="100000"/>
+              </a:lnSpc>
+              <a:spcBef>
+                <a:spcPts val="0"/>
+              </a:spcBef>
+              <a:spcAft>
+                <a:spcPts val="0"/>
+              </a:spcAft>
+              <a:buClrTx/>
+              <a:buSzTx/>
+              <a:buFontTx/>
+              <a:buNone/>
+              <a:tabLst/>
+              <a:defRPr/>
+            </a:pPr>
+            <a:endParaRPr lang="en-US" sz="1200" kern="1200" baseline="0" dirty="0">
+              <a:solidFill>
+                <a:schemeClr val="tx1"/>
+              </a:solidFill>
+              <a:effectLst/>
+              <a:latin typeface="+mn-lt"/>
+              <a:ea typeface="+mn-ea"/>
+              <a:cs typeface="+mn-cs"/>
+            </a:endParaRPr>
+          </a:p>
+        </p:txBody>
+      </p:sp>
+    </p:spTree>
+    <p:extLst>
+      <p:ext uri="{BB962C8B-B14F-4D97-AF65-F5344CB8AC3E}">
+        <p14:creationId xmlns:p14="http://schemas.microsoft.com/office/powerpoint/2010/main" val="1651229399"/>
+      </p:ext>
+    </p:extLst>
+  </p:cSld>
+  <p:clrMapOvr>
+    <a:masterClrMapping/>
+  </p:clrMapOvr>
+</p:notes>
+</file>
+
+<file path=ppt/notesSlides/notesSlide6.xml><?xml version="1.0" encoding="utf-8"?>
+<p:notes xmlns:a="http://schemas.openxmlformats.org/drawingml/2006/main" xmlns:r="http://schemas.openxmlformats.org/officeDocument/2006/relationships" xmlns:p="http://schemas.openxmlformats.org/presentationml/2006/main">
+  <p:cSld>
+    <p:spTree>
+      <p:nvGrpSpPr>
+        <p:cNvPr id="1" name=""/>
+        <p:cNvGrpSpPr/>
+        <p:nvPr/>
+      </p:nvGrpSpPr>
+      <p:grpSpPr>
+        <a:xfrm>
+          <a:off x="0" y="0"/>
+          <a:ext cx="0" cy="0"/>
+          <a:chOff x="0" y="0"/>
+          <a:chExt cx="0" cy="0"/>
+        </a:xfrm>
+      </p:grpSpPr>
+      <p:sp>
+        <p:nvSpPr>
+          <p:cNvPr id="2" name="Slide Image Placeholder 1"/>
+          <p:cNvSpPr>
+            <a:spLocks noGrp="1" noRot="1" noChangeAspect="1"/>
+          </p:cNvSpPr>
+          <p:nvPr>
+            <p:ph type="sldImg"/>
+          </p:nvPr>
+        </p:nvSpPr>
+        <p:spPr/>
+      </p:sp>
+      <p:sp>
+        <p:nvSpPr>
+          <p:cNvPr id="3" name="Notes Placeholder 2"/>
+          <p:cNvSpPr>
+            <a:spLocks noGrp="1"/>
+          </p:cNvSpPr>
+          <p:nvPr>
+            <p:ph type="body" idx="1"/>
+          </p:nvPr>
+        </p:nvSpPr>
+        <p:spPr/>
+        <p:txBody>
+          <a:bodyPr/>
+          <a:lstStyle/>
+          <a:p>
             <a:endParaRPr lang="en-US" baseline="0" dirty="0"/>
           </a:p>
         </p:txBody>
@@ -908,7 +1171,7 @@
           <a:p>
             <a:fld id="{90EC29EE-A8AD-4CE0-9C0B-116E0D4D7533}" type="datetime8">
               <a:rPr lang="en-US" smtClean="0"/>
-              <a:t>9/4/2018 9:30 AM</a:t>
+              <a:t>9/9/2018 10:02 PM</a:t>
             </a:fld>
             <a:endParaRPr lang="en-US" dirty="0"/>
           </a:p>
@@ -932,7 +1195,7 @@
             <a:fld id="{B4008EB6-D09E-4580-8CD6-DDB14511944F}" type="slidenum">
               <a:rPr lang="en-US" smtClean="0"/>
               <a:pPr/>
-              <a:t>4</a:t>
+              <a:t>8</a:t>
             </a:fld>
             <a:endParaRPr lang="en-US" dirty="0"/>
           </a:p>
@@ -942,6 +1205,178 @@
     <p:extLst>
       <p:ext uri="{BB962C8B-B14F-4D97-AF65-F5344CB8AC3E}">
         <p14:creationId xmlns:p14="http://schemas.microsoft.com/office/powerpoint/2010/main" val="350266371"/>
+      </p:ext>
+    </p:extLst>
+  </p:cSld>
+  <p:clrMapOvr>
+    <a:masterClrMapping/>
+  </p:clrMapOvr>
+</p:notes>
+</file>
+
+<file path=ppt/notesSlides/notesSlide7.xml><?xml version="1.0" encoding="utf-8"?>
+<p:notes xmlns:a="http://schemas.openxmlformats.org/drawingml/2006/main" xmlns:r="http://schemas.openxmlformats.org/officeDocument/2006/relationships" xmlns:p="http://schemas.openxmlformats.org/presentationml/2006/main">
+  <p:cSld>
+    <p:spTree>
+      <p:nvGrpSpPr>
+        <p:cNvPr id="1" name=""/>
+        <p:cNvGrpSpPr/>
+        <p:nvPr/>
+      </p:nvGrpSpPr>
+      <p:grpSpPr>
+        <a:xfrm>
+          <a:off x="0" y="0"/>
+          <a:ext cx="0" cy="0"/>
+          <a:chOff x="0" y="0"/>
+          <a:chExt cx="0" cy="0"/>
+        </a:xfrm>
+      </p:grpSpPr>
+      <p:sp>
+        <p:nvSpPr>
+          <p:cNvPr id="2" name="Slide Image Placeholder 1"/>
+          <p:cNvSpPr>
+            <a:spLocks noGrp="1" noRot="1" noChangeAspect="1"/>
+          </p:cNvSpPr>
+          <p:nvPr>
+            <p:ph type="sldImg"/>
+          </p:nvPr>
+        </p:nvSpPr>
+        <p:spPr/>
+      </p:sp>
+      <p:sp>
+        <p:nvSpPr>
+          <p:cNvPr id="3" name="Notes Placeholder 2"/>
+          <p:cNvSpPr>
+            <a:spLocks noGrp="1"/>
+          </p:cNvSpPr>
+          <p:nvPr>
+            <p:ph type="body" idx="1"/>
+          </p:nvPr>
+        </p:nvSpPr>
+        <p:spPr/>
+        <p:txBody>
+          <a:bodyPr/>
+          <a:lstStyle/>
+          <a:p>
+            <a:pPr marL="0" marR="0" indent="0" algn="l" defTabSz="914400" rtl="0" eaLnBrk="1" fontAlgn="auto" latinLnBrk="0" hangingPunct="1">
+              <a:lnSpc>
+                <a:spcPct val="100000"/>
+              </a:lnSpc>
+              <a:spcBef>
+                <a:spcPts val="0"/>
+              </a:spcBef>
+              <a:spcAft>
+                <a:spcPts val="0"/>
+              </a:spcAft>
+              <a:buClrTx/>
+              <a:buSzTx/>
+              <a:buFontTx/>
+              <a:buNone/>
+              <a:tabLst/>
+              <a:defRPr/>
+            </a:pPr>
+            <a:endParaRPr lang="en-US" sz="1200" kern="1200" baseline="0" dirty="0">
+              <a:solidFill>
+                <a:schemeClr val="tx1"/>
+              </a:solidFill>
+              <a:effectLst/>
+              <a:latin typeface="+mn-lt"/>
+              <a:ea typeface="+mn-ea"/>
+              <a:cs typeface="+mn-cs"/>
+            </a:endParaRPr>
+          </a:p>
+        </p:txBody>
+      </p:sp>
+    </p:spTree>
+    <p:extLst>
+      <p:ext uri="{BB962C8B-B14F-4D97-AF65-F5344CB8AC3E}">
+        <p14:creationId xmlns:p14="http://schemas.microsoft.com/office/powerpoint/2010/main" val="1740285870"/>
+      </p:ext>
+    </p:extLst>
+  </p:cSld>
+  <p:clrMapOvr>
+    <a:masterClrMapping/>
+  </p:clrMapOvr>
+</p:notes>
+</file>
+
+<file path=ppt/notesSlides/notesSlide8.xml><?xml version="1.0" encoding="utf-8"?>
+<p:notes xmlns:a="http://schemas.openxmlformats.org/drawingml/2006/main" xmlns:r="http://schemas.openxmlformats.org/officeDocument/2006/relationships" xmlns:p="http://schemas.openxmlformats.org/presentationml/2006/main">
+  <p:cSld>
+    <p:spTree>
+      <p:nvGrpSpPr>
+        <p:cNvPr id="1" name=""/>
+        <p:cNvGrpSpPr/>
+        <p:nvPr/>
+      </p:nvGrpSpPr>
+      <p:grpSpPr>
+        <a:xfrm>
+          <a:off x="0" y="0"/>
+          <a:ext cx="0" cy="0"/>
+          <a:chOff x="0" y="0"/>
+          <a:chExt cx="0" cy="0"/>
+        </a:xfrm>
+      </p:grpSpPr>
+      <p:sp>
+        <p:nvSpPr>
+          <p:cNvPr id="2" name="Slide Image Placeholder 1"/>
+          <p:cNvSpPr>
+            <a:spLocks noGrp="1" noRot="1" noChangeAspect="1"/>
+          </p:cNvSpPr>
+          <p:nvPr>
+            <p:ph type="sldImg"/>
+          </p:nvPr>
+        </p:nvSpPr>
+        <p:spPr/>
+      </p:sp>
+      <p:sp>
+        <p:nvSpPr>
+          <p:cNvPr id="3" name="Notes Placeholder 2"/>
+          <p:cNvSpPr>
+            <a:spLocks noGrp="1"/>
+          </p:cNvSpPr>
+          <p:nvPr>
+            <p:ph type="body" idx="1"/>
+          </p:nvPr>
+        </p:nvSpPr>
+        <p:spPr/>
+        <p:txBody>
+          <a:bodyPr/>
+          <a:lstStyle/>
+          <a:p>
+            <a:pPr marL="0" marR="0" indent="0" algn="l" defTabSz="914400" rtl="0" eaLnBrk="1" fontAlgn="auto" latinLnBrk="0" hangingPunct="1">
+              <a:lnSpc>
+                <a:spcPct val="100000"/>
+              </a:lnSpc>
+              <a:spcBef>
+                <a:spcPts val="0"/>
+              </a:spcBef>
+              <a:spcAft>
+                <a:spcPts val="0"/>
+              </a:spcAft>
+              <a:buClrTx/>
+              <a:buSzTx/>
+              <a:buFontTx/>
+              <a:buNone/>
+              <a:tabLst/>
+              <a:defRPr/>
+            </a:pPr>
+            <a:endParaRPr lang="en-US" sz="1200" kern="1200" baseline="0" dirty="0">
+              <a:solidFill>
+                <a:schemeClr val="tx1"/>
+              </a:solidFill>
+              <a:effectLst/>
+              <a:latin typeface="+mn-lt"/>
+              <a:ea typeface="+mn-ea"/>
+              <a:cs typeface="+mn-cs"/>
+            </a:endParaRPr>
+          </a:p>
+        </p:txBody>
+      </p:sp>
+    </p:spTree>
+    <p:extLst>
+      <p:ext uri="{BB962C8B-B14F-4D97-AF65-F5344CB8AC3E}">
+        <p14:creationId xmlns:p14="http://schemas.microsoft.com/office/powerpoint/2010/main" val="1557373514"/>
       </p:ext>
     </p:extLst>
   </p:cSld>
@@ -3143,6 +3578,570 @@
           <a:lstStyle/>
           <a:p>
             <a:r>
+              <a:rPr lang="en-US"/>
+              <a:t>Typography</a:t>
+            </a:r>
+            <a:endParaRPr lang="en-US" dirty="0"/>
+          </a:p>
+        </p:txBody>
+      </p:sp>
+      <p:sp>
+        <p:nvSpPr>
+          <p:cNvPr id="3" name="Text Placeholder 2"/>
+          <p:cNvSpPr>
+            <a:spLocks noGrp="1"/>
+          </p:cNvSpPr>
+          <p:nvPr>
+            <p:ph idx="1"/>
+          </p:nvPr>
+        </p:nvSpPr>
+        <p:spPr/>
+        <p:txBody>
+          <a:bodyPr/>
+          <a:lstStyle/>
+          <a:p>
+            <a:r>
+              <a:rPr lang="en-US" dirty="0"/>
+              <a:t>Base font classes</a:t>
+            </a:r>
+          </a:p>
+          <a:p>
+            <a:pPr lvl="1"/>
+            <a:r>
+              <a:rPr lang="en-US" dirty="0"/>
+              <a:t>Fabric includes 10 base font classes</a:t>
+            </a:r>
+          </a:p>
+          <a:p>
+            <a:pPr lvl="1"/>
+            <a:r>
+              <a:rPr lang="en-US" dirty="0"/>
+              <a:t>Each base class sets a default size, weight, and color.</a:t>
+            </a:r>
+          </a:p>
+        </p:txBody>
+      </p:sp>
+      <p:pic>
+        <p:nvPicPr>
+          <p:cNvPr id="5" name="Picture 4"/>
+          <p:cNvPicPr>
+            <a:picLocks noChangeAspect="1"/>
+          </p:cNvPicPr>
+          <p:nvPr/>
+        </p:nvPicPr>
+        <p:blipFill>
+          <a:blip r:embed="rId2"/>
+          <a:stretch>
+            <a:fillRect/>
+          </a:stretch>
+        </p:blipFill>
+        <p:spPr>
+          <a:xfrm>
+            <a:off x="681464" y="3200400"/>
+            <a:ext cx="8081536" cy="2899355"/>
+          </a:xfrm>
+          <a:prstGeom prst="rect">
+            <a:avLst/>
+          </a:prstGeom>
+          <a:ln>
+            <a:solidFill>
+              <a:schemeClr val="tx1">
+                <a:lumMod val="50000"/>
+                <a:lumOff val="50000"/>
+              </a:schemeClr>
+            </a:solidFill>
+          </a:ln>
+        </p:spPr>
+      </p:pic>
+    </p:spTree>
+    <p:extLst>
+      <p:ext uri="{BB962C8B-B14F-4D97-AF65-F5344CB8AC3E}">
+        <p14:creationId xmlns:p14="http://schemas.microsoft.com/office/powerpoint/2010/main" val="1139475670"/>
+      </p:ext>
+    </p:extLst>
+  </p:cSld>
+  <p:clrMapOvr>
+    <a:masterClrMapping/>
+  </p:clrMapOvr>
+  <mc:AlternateContent xmlns:mc="http://schemas.openxmlformats.org/markup-compatibility/2006" xmlns:p14="http://schemas.microsoft.com/office/powerpoint/2010/main">
+    <mc:Choice Requires="p14">
+      <p:transition spd="med" p14:dur="700">
+        <p:fade/>
+      </p:transition>
+    </mc:Choice>
+    <mc:Fallback xmlns="">
+      <p:transition spd="med">
+        <p:fade/>
+      </p:transition>
+    </mc:Fallback>
+  </mc:AlternateContent>
+</p:sld>
+</file>
+
+<file path=ppt/slides/slide11.xml><?xml version="1.0" encoding="utf-8"?>
+<p:sld xmlns:a="http://schemas.openxmlformats.org/drawingml/2006/main" xmlns:r="http://schemas.openxmlformats.org/officeDocument/2006/relationships" xmlns:p="http://schemas.openxmlformats.org/presentationml/2006/main">
+  <p:cSld>
+    <p:spTree>
+      <p:nvGrpSpPr>
+        <p:cNvPr id="1" name=""/>
+        <p:cNvGrpSpPr/>
+        <p:nvPr/>
+      </p:nvGrpSpPr>
+      <p:grpSpPr>
+        <a:xfrm>
+          <a:off x="0" y="0"/>
+          <a:ext cx="0" cy="0"/>
+          <a:chOff x="0" y="0"/>
+          <a:chExt cx="0" cy="0"/>
+        </a:xfrm>
+      </p:grpSpPr>
+      <p:sp>
+        <p:nvSpPr>
+          <p:cNvPr id="2" name="Title 1"/>
+          <p:cNvSpPr>
+            <a:spLocks noGrp="1"/>
+          </p:cNvSpPr>
+          <p:nvPr>
+            <p:ph type="title"/>
+          </p:nvPr>
+        </p:nvSpPr>
+        <p:spPr/>
+        <p:txBody>
+          <a:bodyPr/>
+          <a:lstStyle/>
+          <a:p>
+            <a:r>
+              <a:rPr lang="en-US"/>
+              <a:t>Typography</a:t>
+            </a:r>
+            <a:endParaRPr lang="en-US" dirty="0"/>
+          </a:p>
+        </p:txBody>
+      </p:sp>
+      <p:sp>
+        <p:nvSpPr>
+          <p:cNvPr id="3" name="Text Placeholder 2"/>
+          <p:cNvSpPr>
+            <a:spLocks noGrp="1"/>
+          </p:cNvSpPr>
+          <p:nvPr>
+            <p:ph idx="1"/>
+          </p:nvPr>
+        </p:nvSpPr>
+        <p:spPr/>
+        <p:txBody>
+          <a:bodyPr/>
+          <a:lstStyle/>
+          <a:p>
+            <a:r>
+              <a:rPr lang="en-US" dirty="0"/>
+              <a:t>Helper font classes</a:t>
+            </a:r>
+          </a:p>
+          <a:p>
+            <a:pPr lvl="1"/>
+            <a:r>
+              <a:rPr lang="en-US" dirty="0"/>
+              <a:t>There are helper font classes to change the text weight.</a:t>
+            </a:r>
+          </a:p>
+        </p:txBody>
+      </p:sp>
+      <p:pic>
+        <p:nvPicPr>
+          <p:cNvPr id="5" name="Picture 4"/>
+          <p:cNvPicPr>
+            <a:picLocks noChangeAspect="1"/>
+          </p:cNvPicPr>
+          <p:nvPr/>
+        </p:nvPicPr>
+        <p:blipFill>
+          <a:blip r:embed="rId2"/>
+          <a:stretch>
+            <a:fillRect/>
+          </a:stretch>
+        </p:blipFill>
+        <p:spPr>
+          <a:xfrm>
+            <a:off x="914400" y="2590800"/>
+            <a:ext cx="5562600" cy="3829807"/>
+          </a:xfrm>
+          <a:prstGeom prst="rect">
+            <a:avLst/>
+          </a:prstGeom>
+          <a:ln>
+            <a:solidFill>
+              <a:schemeClr val="tx1">
+                <a:lumMod val="50000"/>
+                <a:lumOff val="50000"/>
+              </a:schemeClr>
+            </a:solidFill>
+          </a:ln>
+        </p:spPr>
+      </p:pic>
+    </p:spTree>
+    <p:extLst>
+      <p:ext uri="{BB962C8B-B14F-4D97-AF65-F5344CB8AC3E}">
+        <p14:creationId xmlns:p14="http://schemas.microsoft.com/office/powerpoint/2010/main" val="2760968447"/>
+      </p:ext>
+    </p:extLst>
+  </p:cSld>
+  <p:clrMapOvr>
+    <a:masterClrMapping/>
+  </p:clrMapOvr>
+  <mc:AlternateContent xmlns:mc="http://schemas.openxmlformats.org/markup-compatibility/2006" xmlns:p14="http://schemas.microsoft.com/office/powerpoint/2010/main">
+    <mc:Choice Requires="p14">
+      <p:transition spd="med" p14:dur="700">
+        <p:fade/>
+      </p:transition>
+    </mc:Choice>
+    <mc:Fallback xmlns="">
+      <p:transition spd="med">
+        <p:fade/>
+      </p:transition>
+    </mc:Fallback>
+  </mc:AlternateContent>
+</p:sld>
+</file>
+
+<file path=ppt/slides/slide12.xml><?xml version="1.0" encoding="utf-8"?>
+<p:sld xmlns:a="http://schemas.openxmlformats.org/drawingml/2006/main" xmlns:r="http://schemas.openxmlformats.org/officeDocument/2006/relationships" xmlns:p="http://schemas.openxmlformats.org/presentationml/2006/main">
+  <p:cSld>
+    <p:spTree>
+      <p:nvGrpSpPr>
+        <p:cNvPr id="1" name=""/>
+        <p:cNvGrpSpPr/>
+        <p:nvPr/>
+      </p:nvGrpSpPr>
+      <p:grpSpPr>
+        <a:xfrm>
+          <a:off x="0" y="0"/>
+          <a:ext cx="0" cy="0"/>
+          <a:chOff x="0" y="0"/>
+          <a:chExt cx="0" cy="0"/>
+        </a:xfrm>
+      </p:grpSpPr>
+      <p:sp>
+        <p:nvSpPr>
+          <p:cNvPr id="2" name="Title 1"/>
+          <p:cNvSpPr>
+            <a:spLocks noGrp="1"/>
+          </p:cNvSpPr>
+          <p:nvPr>
+            <p:ph type="title"/>
+          </p:nvPr>
+        </p:nvSpPr>
+        <p:spPr/>
+        <p:txBody>
+          <a:bodyPr/>
+          <a:lstStyle/>
+          <a:p>
+            <a:r>
+              <a:rPr lang="en-US"/>
+              <a:t>Color</a:t>
+            </a:r>
+            <a:endParaRPr lang="en-US" dirty="0"/>
+          </a:p>
+        </p:txBody>
+      </p:sp>
+      <p:sp>
+        <p:nvSpPr>
+          <p:cNvPr id="3" name="Text Placeholder 2"/>
+          <p:cNvSpPr>
+            <a:spLocks noGrp="1"/>
+          </p:cNvSpPr>
+          <p:nvPr>
+            <p:ph idx="1"/>
+          </p:nvPr>
+        </p:nvSpPr>
+        <p:spPr/>
+        <p:txBody>
+          <a:bodyPr>
+            <a:normAutofit/>
+          </a:bodyPr>
+          <a:lstStyle/>
+          <a:p>
+            <a:r>
+              <a:rPr lang="en-US" sz="2400" dirty="0"/>
+              <a:t>Includes 9 theme colors and 11 neutral colors. </a:t>
+            </a:r>
+          </a:p>
+          <a:p>
+            <a:pPr lvl="1"/>
+            <a:r>
+              <a:rPr lang="en-US" sz="2000" dirty="0"/>
+              <a:t>Helper classes for text, border, background, and hover states. </a:t>
+            </a:r>
+          </a:p>
+          <a:p>
+            <a:pPr lvl="1"/>
+            <a:r>
+              <a:rPr lang="en-US" sz="2000" dirty="0"/>
+              <a:t>Color classes act as hooks into the Office 365 theming system</a:t>
+            </a:r>
+          </a:p>
+        </p:txBody>
+      </p:sp>
+      <p:pic>
+        <p:nvPicPr>
+          <p:cNvPr id="1026" name="Picture 2" descr="C:\Users\vesaj\AppData\Local\Temp\SNAGHTML1543d9f.PNG"/>
+          <p:cNvPicPr>
+            <a:picLocks noChangeAspect="1" noChangeArrowheads="1"/>
+          </p:cNvPicPr>
+          <p:nvPr/>
+        </p:nvPicPr>
+        <p:blipFill rotWithShape="1">
+          <a:blip r:embed="rId2">
+            <a:extLst>
+              <a:ext uri="{28A0092B-C50C-407E-A947-70E740481C1C}">
+                <a14:useLocalDpi xmlns:a14="http://schemas.microsoft.com/office/drawing/2010/main" val="0"/>
+              </a:ext>
+            </a:extLst>
+          </a:blip>
+          <a:srcRect b="51008"/>
+          <a:stretch/>
+        </p:blipFill>
+        <p:spPr bwMode="auto">
+          <a:xfrm>
+            <a:off x="193963" y="2775674"/>
+            <a:ext cx="4516375" cy="3053472"/>
+          </a:xfrm>
+          <a:prstGeom prst="rect">
+            <a:avLst/>
+          </a:prstGeom>
+          <a:noFill/>
+          <a:extLst>
+            <a:ext uri="{909E8E84-426E-40DD-AFC4-6F175D3DCCD1}">
+              <a14:hiddenFill xmlns:a14="http://schemas.microsoft.com/office/drawing/2010/main">
+                <a:solidFill>
+                  <a:srgbClr val="FFFFFF"/>
+                </a:solidFill>
+              </a14:hiddenFill>
+            </a:ext>
+          </a:extLst>
+        </p:spPr>
+      </p:pic>
+      <p:pic>
+        <p:nvPicPr>
+          <p:cNvPr id="5" name="Picture 2" descr="C:\Users\vesaj\AppData\Local\Temp\SNAGHTML1543d9f.PNG">
+            <a:extLst>
+              <a:ext uri="{FF2B5EF4-FFF2-40B4-BE49-F238E27FC236}">
+                <a16:creationId xmlns:a16="http://schemas.microsoft.com/office/drawing/2014/main" id="{B5DC384F-340D-482F-A70E-B37173BEBCB0}"/>
+              </a:ext>
+            </a:extLst>
+          </p:cNvPr>
+          <p:cNvPicPr>
+            <a:picLocks noChangeAspect="1" noChangeArrowheads="1"/>
+          </p:cNvPicPr>
+          <p:nvPr/>
+        </p:nvPicPr>
+        <p:blipFill rotWithShape="1">
+          <a:blip r:embed="rId2">
+            <a:extLst>
+              <a:ext uri="{28A0092B-C50C-407E-A947-70E740481C1C}">
+                <a14:useLocalDpi xmlns:a14="http://schemas.microsoft.com/office/drawing/2010/main" val="0"/>
+              </a:ext>
+            </a:extLst>
+          </a:blip>
+          <a:srcRect t="50117"/>
+          <a:stretch/>
+        </p:blipFill>
+        <p:spPr bwMode="auto">
+          <a:xfrm>
+            <a:off x="4897375" y="2895600"/>
+            <a:ext cx="4087298" cy="2813621"/>
+          </a:xfrm>
+          <a:prstGeom prst="rect">
+            <a:avLst/>
+          </a:prstGeom>
+          <a:noFill/>
+          <a:extLst>
+            <a:ext uri="{909E8E84-426E-40DD-AFC4-6F175D3DCCD1}">
+              <a14:hiddenFill xmlns:a14="http://schemas.microsoft.com/office/drawing/2010/main">
+                <a:solidFill>
+                  <a:srgbClr val="FFFFFF"/>
+                </a:solidFill>
+              </a14:hiddenFill>
+            </a:ext>
+          </a:extLst>
+        </p:spPr>
+      </p:pic>
+    </p:spTree>
+    <p:extLst>
+      <p:ext uri="{BB962C8B-B14F-4D97-AF65-F5344CB8AC3E}">
+        <p14:creationId xmlns:p14="http://schemas.microsoft.com/office/powerpoint/2010/main" val="30596465"/>
+      </p:ext>
+    </p:extLst>
+  </p:cSld>
+  <p:clrMapOvr>
+    <a:masterClrMapping/>
+  </p:clrMapOvr>
+  <mc:AlternateContent xmlns:mc="http://schemas.openxmlformats.org/markup-compatibility/2006" xmlns:p14="http://schemas.microsoft.com/office/powerpoint/2010/main">
+    <mc:Choice Requires="p14">
+      <p:transition spd="med" p14:dur="700">
+        <p:fade/>
+      </p:transition>
+    </mc:Choice>
+    <mc:Fallback xmlns="">
+      <p:transition spd="med">
+        <p:fade/>
+      </p:transition>
+    </mc:Fallback>
+  </mc:AlternateContent>
+</p:sld>
+</file>
+
+<file path=ppt/slides/slide13.xml><?xml version="1.0" encoding="utf-8"?>
+<p:sld xmlns:a="http://schemas.openxmlformats.org/drawingml/2006/main" xmlns:r="http://schemas.openxmlformats.org/officeDocument/2006/relationships" xmlns:p="http://schemas.openxmlformats.org/presentationml/2006/main">
+  <p:cSld>
+    <p:spTree>
+      <p:nvGrpSpPr>
+        <p:cNvPr id="1" name=""/>
+        <p:cNvGrpSpPr/>
+        <p:nvPr/>
+      </p:nvGrpSpPr>
+      <p:grpSpPr>
+        <a:xfrm>
+          <a:off x="0" y="0"/>
+          <a:ext cx="0" cy="0"/>
+          <a:chOff x="0" y="0"/>
+          <a:chExt cx="0" cy="0"/>
+        </a:xfrm>
+      </p:grpSpPr>
+      <p:sp>
+        <p:nvSpPr>
+          <p:cNvPr id="2" name="Title 1"/>
+          <p:cNvSpPr>
+            <a:spLocks noGrp="1"/>
+          </p:cNvSpPr>
+          <p:nvPr>
+            <p:ph type="title"/>
+          </p:nvPr>
+        </p:nvSpPr>
+        <p:spPr/>
+        <p:txBody>
+          <a:bodyPr/>
+          <a:lstStyle/>
+          <a:p>
+            <a:r>
+              <a:rPr lang="en-US"/>
+              <a:t>Icons</a:t>
+            </a:r>
+            <a:endParaRPr lang="en-US" dirty="0"/>
+          </a:p>
+        </p:txBody>
+      </p:sp>
+      <p:sp>
+        <p:nvSpPr>
+          <p:cNvPr id="3" name="Text Placeholder 2"/>
+          <p:cNvSpPr>
+            <a:spLocks noGrp="1"/>
+          </p:cNvSpPr>
+          <p:nvPr>
+            <p:ph idx="1"/>
+          </p:nvPr>
+        </p:nvSpPr>
+        <p:spPr/>
+        <p:txBody>
+          <a:bodyPr/>
+          <a:lstStyle/>
+          <a:p>
+            <a:r>
+              <a:rPr lang="en-US" dirty="0"/>
+              <a:t>Fabric uses a custom font for its iconography. </a:t>
+            </a:r>
+          </a:p>
+          <a:p>
+            <a:pPr lvl="1"/>
+            <a:r>
+              <a:rPr lang="en-US" dirty="0"/>
+              <a:t>Font contains glyphs you can scale, color, and style</a:t>
+            </a:r>
+          </a:p>
+        </p:txBody>
+      </p:sp>
+      <p:pic>
+        <p:nvPicPr>
+          <p:cNvPr id="9" name="Picture 8"/>
+          <p:cNvPicPr>
+            <a:picLocks noChangeAspect="1"/>
+          </p:cNvPicPr>
+          <p:nvPr/>
+        </p:nvPicPr>
+        <p:blipFill>
+          <a:blip r:embed="rId2"/>
+          <a:stretch>
+            <a:fillRect/>
+          </a:stretch>
+        </p:blipFill>
+        <p:spPr>
+          <a:xfrm>
+            <a:off x="990600" y="2743200"/>
+            <a:ext cx="6934200" cy="2892885"/>
+          </a:xfrm>
+          <a:prstGeom prst="rect">
+            <a:avLst/>
+          </a:prstGeom>
+        </p:spPr>
+      </p:pic>
+    </p:spTree>
+    <p:extLst>
+      <p:ext uri="{BB962C8B-B14F-4D97-AF65-F5344CB8AC3E}">
+        <p14:creationId xmlns:p14="http://schemas.microsoft.com/office/powerpoint/2010/main" val="2529059662"/>
+      </p:ext>
+    </p:extLst>
+  </p:cSld>
+  <p:clrMapOvr>
+    <a:masterClrMapping/>
+  </p:clrMapOvr>
+  <mc:AlternateContent xmlns:mc="http://schemas.openxmlformats.org/markup-compatibility/2006" xmlns:p14="http://schemas.microsoft.com/office/powerpoint/2010/main">
+    <mc:Choice Requires="p14">
+      <p:transition spd="med" p14:dur="700">
+        <p:fade/>
+      </p:transition>
+    </mc:Choice>
+    <mc:Fallback xmlns="">
+      <p:transition spd="med">
+        <p:fade/>
+      </p:transition>
+    </mc:Fallback>
+  </mc:AlternateContent>
+</p:sld>
+</file>
+
+<file path=ppt/slides/slide14.xml><?xml version="1.0" encoding="utf-8"?>
+<p:sld xmlns:a="http://schemas.openxmlformats.org/drawingml/2006/main" xmlns:r="http://schemas.openxmlformats.org/officeDocument/2006/relationships" xmlns:p="http://schemas.openxmlformats.org/presentationml/2006/main">
+  <p:cSld>
+    <p:spTree>
+      <p:nvGrpSpPr>
+        <p:cNvPr id="1" name=""/>
+        <p:cNvGrpSpPr/>
+        <p:nvPr/>
+      </p:nvGrpSpPr>
+      <p:grpSpPr>
+        <a:xfrm>
+          <a:off x="0" y="0"/>
+          <a:ext cx="0" cy="0"/>
+          <a:chOff x="0" y="0"/>
+          <a:chExt cx="0" cy="0"/>
+        </a:xfrm>
+      </p:grpSpPr>
+      <p:sp>
+        <p:nvSpPr>
+          <p:cNvPr id="2" name="Title 1"/>
+          <p:cNvSpPr>
+            <a:spLocks noGrp="1"/>
+          </p:cNvSpPr>
+          <p:nvPr>
+            <p:ph type="title"/>
+          </p:nvPr>
+        </p:nvSpPr>
+        <p:spPr/>
+        <p:txBody>
+          <a:bodyPr/>
+          <a:lstStyle/>
+          <a:p>
+            <a:r>
               <a:rPr lang="en-US" dirty="0"/>
               <a:t>Icons</a:t>
             </a:r>
@@ -3387,7 +4386,7 @@
 </p:sld>
 </file>
 
-<file path=ppt/slides/slide11.xml><?xml version="1.0" encoding="utf-8"?>
+<file path=ppt/slides/slide15.xml><?xml version="1.0" encoding="utf-8"?>
 <p:sld xmlns:a="http://schemas.openxmlformats.org/drawingml/2006/main" xmlns:r="http://schemas.openxmlformats.org/officeDocument/2006/relationships" xmlns:p="http://schemas.openxmlformats.org/presentationml/2006/main">
   <p:cSld>
     <p:spTree>
@@ -3710,7 +4709,7 @@
 </p:sld>
 </file>
 
-<file path=ppt/slides/slide12.xml><?xml version="1.0" encoding="utf-8"?>
+<file path=ppt/slides/slide16.xml><?xml version="1.0" encoding="utf-8"?>
 <p:sld xmlns:a="http://schemas.openxmlformats.org/drawingml/2006/main" xmlns:r="http://schemas.openxmlformats.org/officeDocument/2006/relationships" xmlns:p="http://schemas.openxmlformats.org/presentationml/2006/main">
   <p:cSld>
     <p:spTree>
@@ -4485,7 +5484,7 @@
 </p:sld>
 </file>
 
-<file path=ppt/slides/slide13.xml><?xml version="1.0" encoding="utf-8"?>
+<file path=ppt/slides/slide17.xml><?xml version="1.0" encoding="utf-8"?>
 <p:sld xmlns:a="http://schemas.openxmlformats.org/drawingml/2006/main" xmlns:r="http://schemas.openxmlformats.org/officeDocument/2006/relationships" xmlns:p="http://schemas.openxmlformats.org/presentationml/2006/main">
   <p:cSld>
     <p:spTree>
@@ -4641,7 +5640,7 @@
 </p:sld>
 </file>
 
-<file path=ppt/slides/slide14.xml><?xml version="1.0" encoding="utf-8"?>
+<file path=ppt/slides/slide18.xml><?xml version="1.0" encoding="utf-8"?>
 <p:sld xmlns:a="http://schemas.openxmlformats.org/drawingml/2006/main" xmlns:r="http://schemas.openxmlformats.org/officeDocument/2006/relationships" xmlns:p="http://schemas.openxmlformats.org/presentationml/2006/main">
   <p:cSld>
     <p:spTree>
@@ -5681,7 +6680,7 @@
 </p:sld>
 </file>
 
-<file path=ppt/slides/slide15.xml><?xml version="1.0" encoding="utf-8"?>
+<file path=ppt/slides/slide19.xml><?xml version="1.0" encoding="utf-8"?>
 <p:sld xmlns:a="http://schemas.openxmlformats.org/drawingml/2006/main" xmlns:r="http://schemas.openxmlformats.org/officeDocument/2006/relationships" xmlns:p="http://schemas.openxmlformats.org/presentationml/2006/main">
   <p:cSld>
     <p:spTree>
@@ -6747,1563 +7746,6 @@
 </p:sld>
 </file>
 
-<file path=ppt/slides/slide16.xml><?xml version="1.0" encoding="utf-8"?>
-<p:sld xmlns:a="http://schemas.openxmlformats.org/drawingml/2006/main" xmlns:r="http://schemas.openxmlformats.org/officeDocument/2006/relationships" xmlns:p="http://schemas.openxmlformats.org/presentationml/2006/main">
-  <p:cSld>
-    <p:spTree>
-      <p:nvGrpSpPr>
-        <p:cNvPr id="1" name=""/>
-        <p:cNvGrpSpPr/>
-        <p:nvPr/>
-      </p:nvGrpSpPr>
-      <p:grpSpPr>
-        <a:xfrm>
-          <a:off x="0" y="0"/>
-          <a:ext cx="0" cy="0"/>
-          <a:chOff x="0" y="0"/>
-          <a:chExt cx="0" cy="0"/>
-        </a:xfrm>
-      </p:grpSpPr>
-      <p:sp>
-        <p:nvSpPr>
-          <p:cNvPr id="2" name="Title 1"/>
-          <p:cNvSpPr>
-            <a:spLocks noGrp="1"/>
-          </p:cNvSpPr>
-          <p:nvPr>
-            <p:ph type="title"/>
-          </p:nvPr>
-        </p:nvSpPr>
-        <p:spPr/>
-        <p:txBody>
-          <a:bodyPr/>
-          <a:lstStyle/>
-          <a:p>
-            <a:r>
-              <a:rPr lang="en-US" dirty="0"/>
-              <a:t>Persona Card</a:t>
-            </a:r>
-          </a:p>
-        </p:txBody>
-      </p:sp>
-      <p:grpSp>
-        <p:nvGrpSpPr>
-          <p:cNvPr id="8" name="Group 7"/>
-          <p:cNvGrpSpPr/>
-          <p:nvPr/>
-        </p:nvGrpSpPr>
-        <p:grpSpPr>
-          <a:xfrm>
-            <a:off x="294051" y="1628892"/>
-            <a:ext cx="8557639" cy="1318467"/>
-            <a:chOff x="459186" y="4566479"/>
-            <a:chExt cx="11411804" cy="1758206"/>
-          </a:xfrm>
-        </p:grpSpPr>
-        <p:pic>
-          <p:nvPicPr>
-            <p:cNvPr id="4" name="Picture 3"/>
-            <p:cNvPicPr>
-              <a:picLocks noChangeAspect="1"/>
-            </p:cNvPicPr>
-            <p:nvPr/>
-          </p:nvPicPr>
-          <p:blipFill>
-            <a:blip r:embed="rId2"/>
-            <a:stretch>
-              <a:fillRect/>
-            </a:stretch>
-          </p:blipFill>
-          <p:spPr>
-            <a:xfrm>
-              <a:off x="459186" y="4579554"/>
-              <a:ext cx="2758679" cy="1508891"/>
-            </a:xfrm>
-            <a:prstGeom prst="rect">
-              <a:avLst/>
-            </a:prstGeom>
-          </p:spPr>
-        </p:pic>
-        <p:pic>
-          <p:nvPicPr>
-            <p:cNvPr id="5" name="Picture 4"/>
-            <p:cNvPicPr>
-              <a:picLocks noChangeAspect="1"/>
-            </p:cNvPicPr>
-            <p:nvPr/>
-          </p:nvPicPr>
-          <p:blipFill>
-            <a:blip r:embed="rId3"/>
-            <a:stretch>
-              <a:fillRect/>
-            </a:stretch>
-          </p:blipFill>
-          <p:spPr>
-            <a:xfrm>
-              <a:off x="3330860" y="4579554"/>
-              <a:ext cx="2766300" cy="1745131"/>
-            </a:xfrm>
-            <a:prstGeom prst="rect">
-              <a:avLst/>
-            </a:prstGeom>
-          </p:spPr>
-        </p:pic>
-        <p:pic>
-          <p:nvPicPr>
-            <p:cNvPr id="6" name="Picture 5"/>
-            <p:cNvPicPr>
-              <a:picLocks noChangeAspect="1"/>
-            </p:cNvPicPr>
-            <p:nvPr/>
-          </p:nvPicPr>
-          <p:blipFill>
-            <a:blip r:embed="rId4"/>
-            <a:stretch>
-              <a:fillRect/>
-            </a:stretch>
-          </p:blipFill>
-          <p:spPr>
-            <a:xfrm>
-              <a:off x="6210155" y="4566479"/>
-              <a:ext cx="2773920" cy="1508891"/>
-            </a:xfrm>
-            <a:prstGeom prst="rect">
-              <a:avLst/>
-            </a:prstGeom>
-          </p:spPr>
-        </p:pic>
-        <p:pic>
-          <p:nvPicPr>
-            <p:cNvPr id="7" name="Picture 6"/>
-            <p:cNvPicPr>
-              <a:picLocks noChangeAspect="1"/>
-            </p:cNvPicPr>
-            <p:nvPr/>
-          </p:nvPicPr>
-          <p:blipFill>
-            <a:blip r:embed="rId5"/>
-            <a:stretch>
-              <a:fillRect/>
-            </a:stretch>
-          </p:blipFill>
-          <p:spPr>
-            <a:xfrm>
-              <a:off x="9097070" y="4566479"/>
-              <a:ext cx="2773920" cy="1516511"/>
-            </a:xfrm>
-            <a:prstGeom prst="rect">
-              <a:avLst/>
-            </a:prstGeom>
-          </p:spPr>
-        </p:pic>
-      </p:grpSp>
-      <p:sp>
-        <p:nvSpPr>
-          <p:cNvPr id="11" name="Rectangle 10"/>
-          <p:cNvSpPr/>
-          <p:nvPr/>
-        </p:nvSpPr>
-        <p:spPr>
-          <a:xfrm>
-            <a:off x="202550" y="3005445"/>
-            <a:ext cx="8649139" cy="729430"/>
-          </a:xfrm>
-          <a:prstGeom prst="rect">
-            <a:avLst/>
-          </a:prstGeom>
-        </p:spPr>
-        <p:txBody>
-          <a:bodyPr wrap="square">
-            <a:spAutoFit/>
-          </a:bodyPr>
-          <a:lstStyle/>
-          <a:p>
-            <a:pPr lvl="0" eaLnBrk="0" fontAlgn="base" hangingPunct="0">
-              <a:spcBef>
-                <a:spcPct val="0"/>
-              </a:spcBef>
-              <a:spcAft>
-                <a:spcPct val="0"/>
-              </a:spcAft>
-            </a:pPr>
-            <a:r>
-              <a:rPr lang="en-US" altLang="en-US" sz="2940" dirty="0">
-                <a:gradFill>
-                  <a:gsLst>
-                    <a:gs pos="1250">
-                      <a:srgbClr val="D83B01"/>
-                    </a:gs>
-                    <a:gs pos="99000">
-                      <a:srgbClr val="D83B01"/>
-                    </a:gs>
-                  </a:gsLst>
-                  <a:lin ang="5400000" scaled="0"/>
-                </a:gradFill>
-                <a:latin typeface="Segoe UI Light"/>
-              </a:rPr>
-              <a:t>Bind Data With Server Side or Client Side Code</a:t>
-            </a:r>
-          </a:p>
-          <a:p>
-            <a:pPr lvl="0"/>
-            <a:r>
-              <a:rPr lang="en-US" sz="1200" b="1" dirty="0">
-                <a:solidFill>
-                  <a:srgbClr val="000000"/>
-                </a:solidFill>
-                <a:latin typeface="Segoe UI Light"/>
-              </a:rPr>
-              <a:t>Property Management Server Side example - https://github.com/OfficeDev/Property-Inspection-Code-Sample </a:t>
-            </a:r>
-          </a:p>
-        </p:txBody>
-      </p:sp>
-      <p:sp>
-        <p:nvSpPr>
-          <p:cNvPr id="12" name="Rectangle 11"/>
-          <p:cNvSpPr/>
-          <p:nvPr/>
-        </p:nvSpPr>
-        <p:spPr>
-          <a:xfrm>
-            <a:off x="236345" y="3693722"/>
-            <a:ext cx="8740640" cy="2031325"/>
-          </a:xfrm>
-          <a:prstGeom prst="rect">
-            <a:avLst/>
-          </a:prstGeom>
-        </p:spPr>
-        <p:txBody>
-          <a:bodyPr wrap="square">
-            <a:spAutoFit/>
-          </a:bodyPr>
-          <a:lstStyle/>
-          <a:p>
-            <a:r>
-              <a:rPr lang="en-US" sz="1050" dirty="0">
-                <a:solidFill>
-                  <a:srgbClr val="0000FF"/>
-                </a:solidFill>
-                <a:highlight>
-                  <a:srgbClr val="FFFFFF"/>
-                </a:highlight>
-                <a:latin typeface="Consolas" panose="020B0609020204030204" pitchFamily="49" charset="0"/>
-              </a:rPr>
-              <a:t>&lt;</a:t>
-            </a:r>
-            <a:r>
-              <a:rPr lang="en-US" sz="1050" dirty="0">
-                <a:solidFill>
-                  <a:srgbClr val="800000"/>
-                </a:solidFill>
-                <a:highlight>
-                  <a:srgbClr val="FFFFFF"/>
-                </a:highlight>
-                <a:latin typeface="Consolas" panose="020B0609020204030204" pitchFamily="49" charset="0"/>
-              </a:rPr>
-              <a:t>div</a:t>
-            </a:r>
-            <a:r>
-              <a:rPr lang="en-US" sz="1050" dirty="0">
-                <a:solidFill>
-                  <a:srgbClr val="000000"/>
-                </a:solidFill>
-                <a:highlight>
-                  <a:srgbClr val="FFFFFF"/>
-                </a:highlight>
-                <a:latin typeface="Consolas" panose="020B0609020204030204" pitchFamily="49" charset="0"/>
-              </a:rPr>
-              <a:t> </a:t>
-            </a:r>
-            <a:r>
-              <a:rPr lang="en-US" sz="1050" dirty="0">
-                <a:solidFill>
-                  <a:srgbClr val="FF0000"/>
-                </a:solidFill>
-                <a:highlight>
-                  <a:srgbClr val="FFFFFF"/>
-                </a:highlight>
-                <a:latin typeface="Consolas" panose="020B0609020204030204" pitchFamily="49" charset="0"/>
-              </a:rPr>
-              <a:t>class</a:t>
-            </a:r>
-            <a:r>
-              <a:rPr lang="en-US" sz="1050" dirty="0">
-                <a:solidFill>
-                  <a:srgbClr val="0000FF"/>
-                </a:solidFill>
-                <a:highlight>
-                  <a:srgbClr val="FFFFFF"/>
-                </a:highlight>
-                <a:latin typeface="Consolas" panose="020B0609020204030204" pitchFamily="49" charset="0"/>
-              </a:rPr>
-              <a:t>="details-block"&gt;</a:t>
-            </a:r>
-          </a:p>
-          <a:p>
-            <a:r>
-              <a:rPr lang="en-US" sz="1050" dirty="0">
-                <a:solidFill>
-                  <a:srgbClr val="0000FF"/>
-                </a:solidFill>
-                <a:highlight>
-                  <a:srgbClr val="FFFFFF"/>
-                </a:highlight>
-                <a:latin typeface="Consolas" panose="020B0609020204030204" pitchFamily="49" charset="0"/>
-              </a:rPr>
-              <a:t>   </a:t>
-            </a:r>
-            <a:r>
-              <a:rPr lang="en-US" sz="1050" dirty="0">
-                <a:solidFill>
-                  <a:srgbClr val="000000"/>
-                </a:solidFill>
-                <a:highlight>
-                  <a:srgbClr val="FFFF00"/>
-                </a:highlight>
-                <a:latin typeface="Consolas" panose="020B0609020204030204" pitchFamily="49" charset="0"/>
-              </a:rPr>
-              <a:t>@</a:t>
-            </a:r>
-            <a:r>
-              <a:rPr lang="en-US" sz="1050" dirty="0" err="1">
-                <a:solidFill>
-                  <a:srgbClr val="0000FF"/>
-                </a:solidFill>
-                <a:highlight>
-                  <a:srgbClr val="FFFFFF"/>
-                </a:highlight>
-                <a:latin typeface="Consolas" panose="020B0609020204030204" pitchFamily="49" charset="0"/>
-              </a:rPr>
-              <a:t>foreach</a:t>
-            </a:r>
-            <a:r>
-              <a:rPr lang="en-US" sz="1050" dirty="0">
-                <a:solidFill>
-                  <a:srgbClr val="000000"/>
-                </a:solidFill>
-                <a:highlight>
-                  <a:srgbClr val="FFFFFF"/>
-                </a:highlight>
-                <a:latin typeface="Consolas" panose="020B0609020204030204" pitchFamily="49" charset="0"/>
-              </a:rPr>
-              <a:t> (</a:t>
-            </a:r>
-            <a:r>
-              <a:rPr lang="en-US" sz="1050" dirty="0" err="1">
-                <a:solidFill>
-                  <a:srgbClr val="0000FF"/>
-                </a:solidFill>
-                <a:highlight>
-                  <a:srgbClr val="FFFFFF"/>
-                </a:highlight>
-                <a:latin typeface="Consolas" panose="020B0609020204030204" pitchFamily="49" charset="0"/>
-              </a:rPr>
-              <a:t>var</a:t>
-            </a:r>
-            <a:r>
-              <a:rPr lang="en-US" sz="1050" dirty="0">
-                <a:solidFill>
-                  <a:srgbClr val="000000"/>
-                </a:solidFill>
-                <a:highlight>
-                  <a:srgbClr val="FFFFFF"/>
-                </a:highlight>
-                <a:latin typeface="Consolas" panose="020B0609020204030204" pitchFamily="49" charset="0"/>
-              </a:rPr>
-              <a:t> item </a:t>
-            </a:r>
-            <a:r>
-              <a:rPr lang="en-US" sz="1050" dirty="0">
-                <a:solidFill>
-                  <a:srgbClr val="0000FF"/>
-                </a:solidFill>
-                <a:highlight>
-                  <a:srgbClr val="FFFFFF"/>
-                </a:highlight>
-                <a:latin typeface="Consolas" panose="020B0609020204030204" pitchFamily="49" charset="0"/>
-              </a:rPr>
-              <a:t>in</a:t>
-            </a:r>
-            <a:r>
-              <a:rPr lang="en-US" sz="1050" dirty="0">
-                <a:solidFill>
-                  <a:srgbClr val="000000"/>
-                </a:solidFill>
-                <a:highlight>
-                  <a:srgbClr val="FFFFFF"/>
-                </a:highlight>
-                <a:latin typeface="Consolas" panose="020B0609020204030204" pitchFamily="49" charset="0"/>
-              </a:rPr>
-              <a:t> </a:t>
-            </a:r>
-            <a:r>
-              <a:rPr lang="en-US" sz="1050" dirty="0" err="1">
-                <a:solidFill>
-                  <a:srgbClr val="000000"/>
-                </a:solidFill>
-                <a:highlight>
-                  <a:srgbClr val="FFFFFF"/>
-                </a:highlight>
-                <a:latin typeface="Consolas" panose="020B0609020204030204" pitchFamily="49" charset="0"/>
-              </a:rPr>
-              <a:t>Model.members</a:t>
-            </a:r>
-            <a:r>
-              <a:rPr lang="en-US" sz="1050" dirty="0">
-                <a:solidFill>
-                  <a:srgbClr val="000000"/>
-                </a:solidFill>
-                <a:highlight>
-                  <a:srgbClr val="FFFFFF"/>
-                </a:highlight>
-                <a:latin typeface="Consolas" panose="020B0609020204030204" pitchFamily="49" charset="0"/>
-              </a:rPr>
-              <a:t>)</a:t>
-            </a:r>
-          </a:p>
-          <a:p>
-            <a:r>
-              <a:rPr lang="en-US" sz="1050" dirty="0">
-                <a:solidFill>
-                  <a:srgbClr val="000000"/>
-                </a:solidFill>
-                <a:highlight>
-                  <a:srgbClr val="FFFFFF"/>
-                </a:highlight>
-                <a:latin typeface="Consolas" panose="020B0609020204030204" pitchFamily="49" charset="0"/>
-              </a:rPr>
-              <a:t>   {</a:t>
-            </a:r>
-          </a:p>
-          <a:p>
-            <a:r>
-              <a:rPr lang="en-US" sz="1050" dirty="0">
-                <a:solidFill>
-                  <a:srgbClr val="0000FF"/>
-                </a:solidFill>
-                <a:highlight>
-                  <a:srgbClr val="FFFFFF"/>
-                </a:highlight>
-                <a:latin typeface="Consolas" panose="020B0609020204030204" pitchFamily="49" charset="0"/>
-              </a:rPr>
-              <a:t>      &lt;</a:t>
-            </a:r>
-            <a:r>
-              <a:rPr lang="en-US" sz="1050" dirty="0">
-                <a:solidFill>
-                  <a:srgbClr val="800000"/>
-                </a:solidFill>
-                <a:highlight>
-                  <a:srgbClr val="FFFFFF"/>
-                </a:highlight>
-                <a:latin typeface="Consolas" panose="020B0609020204030204" pitchFamily="49" charset="0"/>
-              </a:rPr>
-              <a:t>div</a:t>
-            </a:r>
-            <a:r>
-              <a:rPr lang="en-US" sz="1050" dirty="0">
-                <a:solidFill>
-                  <a:srgbClr val="000000"/>
-                </a:solidFill>
-                <a:highlight>
-                  <a:srgbClr val="FFFFFF"/>
-                </a:highlight>
-                <a:latin typeface="Consolas" panose="020B0609020204030204" pitchFamily="49" charset="0"/>
-              </a:rPr>
-              <a:t> </a:t>
-            </a:r>
-            <a:r>
-              <a:rPr lang="en-US" sz="1050" dirty="0">
-                <a:solidFill>
-                  <a:srgbClr val="FF0000"/>
-                </a:solidFill>
-                <a:highlight>
-                  <a:srgbClr val="FFFFFF"/>
-                </a:highlight>
-                <a:latin typeface="Consolas" panose="020B0609020204030204" pitchFamily="49" charset="0"/>
-              </a:rPr>
-              <a:t>class</a:t>
-            </a:r>
-            <a:r>
-              <a:rPr lang="en-US" sz="1050" dirty="0">
-                <a:solidFill>
-                  <a:srgbClr val="0000FF"/>
-                </a:solidFill>
-                <a:highlight>
-                  <a:srgbClr val="FFFFFF"/>
-                </a:highlight>
-                <a:latin typeface="Consolas" panose="020B0609020204030204" pitchFamily="49" charset="0"/>
-              </a:rPr>
-              <a:t>="content-row"&gt;</a:t>
-            </a:r>
-            <a:endParaRPr lang="en-US" sz="1050" dirty="0">
-              <a:solidFill>
-                <a:srgbClr val="000000"/>
-              </a:solidFill>
-              <a:highlight>
-                <a:srgbClr val="FFFFFF"/>
-              </a:highlight>
-              <a:latin typeface="Consolas" panose="020B0609020204030204" pitchFamily="49" charset="0"/>
-            </a:endParaRPr>
-          </a:p>
-          <a:p>
-            <a:r>
-              <a:rPr lang="it-IT" sz="1050" dirty="0">
-                <a:solidFill>
-                  <a:srgbClr val="0000FF"/>
-                </a:solidFill>
-                <a:highlight>
-                  <a:srgbClr val="FFFFFF"/>
-                </a:highlight>
-                <a:latin typeface="Consolas" panose="020B0609020204030204" pitchFamily="49" charset="0"/>
-              </a:rPr>
-              <a:t>         &lt;</a:t>
-            </a:r>
-            <a:r>
-              <a:rPr lang="it-IT" sz="1050" dirty="0">
-                <a:solidFill>
-                  <a:srgbClr val="800000"/>
-                </a:solidFill>
-                <a:highlight>
-                  <a:srgbClr val="FFFFFF"/>
-                </a:highlight>
-                <a:latin typeface="Consolas" panose="020B0609020204030204" pitchFamily="49" charset="0"/>
-              </a:rPr>
-              <a:t>div</a:t>
-            </a:r>
-            <a:r>
-              <a:rPr lang="it-IT" sz="1050" dirty="0">
-                <a:solidFill>
-                  <a:srgbClr val="000000"/>
-                </a:solidFill>
-                <a:highlight>
-                  <a:srgbClr val="FFFFFF"/>
-                </a:highlight>
-                <a:latin typeface="Consolas" panose="020B0609020204030204" pitchFamily="49" charset="0"/>
-              </a:rPr>
-              <a:t> </a:t>
-            </a:r>
-            <a:r>
-              <a:rPr lang="it-IT" sz="1050" dirty="0">
-                <a:solidFill>
-                  <a:srgbClr val="FF0000"/>
-                </a:solidFill>
-                <a:highlight>
-                  <a:srgbClr val="FFFFFF"/>
-                </a:highlight>
-                <a:latin typeface="Consolas" panose="020B0609020204030204" pitchFamily="49" charset="0"/>
-              </a:rPr>
-              <a:t>class</a:t>
-            </a:r>
-            <a:r>
-              <a:rPr lang="it-IT" sz="1050" dirty="0">
-                <a:solidFill>
-                  <a:srgbClr val="0000FF"/>
-                </a:solidFill>
-                <a:highlight>
-                  <a:srgbClr val="FFFFFF"/>
-                </a:highlight>
-                <a:latin typeface="Consolas" panose="020B0609020204030204" pitchFamily="49" charset="0"/>
-              </a:rPr>
-              <a:t>="ms-Persona ms-Persona ms-Persona--square ms-Persona--xs"&gt;</a:t>
-            </a:r>
-            <a:endParaRPr lang="it-IT" sz="1050" dirty="0">
-              <a:solidFill>
-                <a:srgbClr val="000000"/>
-              </a:solidFill>
-              <a:highlight>
-                <a:srgbClr val="FFFFFF"/>
-              </a:highlight>
-              <a:latin typeface="Consolas" panose="020B0609020204030204" pitchFamily="49" charset="0"/>
-            </a:endParaRPr>
-          </a:p>
-          <a:p>
-            <a:r>
-              <a:rPr lang="en-US" sz="1050" dirty="0">
-                <a:solidFill>
-                  <a:srgbClr val="0000FF"/>
-                </a:solidFill>
-                <a:highlight>
-                  <a:srgbClr val="FFFFFF"/>
-                </a:highlight>
-                <a:latin typeface="Consolas" panose="020B0609020204030204" pitchFamily="49" charset="0"/>
-              </a:rPr>
-              <a:t>            &lt;</a:t>
-            </a:r>
-            <a:r>
-              <a:rPr lang="en-US" sz="1050" dirty="0">
-                <a:solidFill>
-                  <a:srgbClr val="800000"/>
-                </a:solidFill>
-                <a:highlight>
-                  <a:srgbClr val="FFFFFF"/>
-                </a:highlight>
-                <a:latin typeface="Consolas" panose="020B0609020204030204" pitchFamily="49" charset="0"/>
-              </a:rPr>
-              <a:t>div</a:t>
-            </a:r>
-            <a:r>
-              <a:rPr lang="en-US" sz="1050" dirty="0">
-                <a:solidFill>
-                  <a:srgbClr val="000000"/>
-                </a:solidFill>
-                <a:highlight>
-                  <a:srgbClr val="FFFFFF"/>
-                </a:highlight>
-                <a:latin typeface="Consolas" panose="020B0609020204030204" pitchFamily="49" charset="0"/>
-              </a:rPr>
-              <a:t> </a:t>
-            </a:r>
-            <a:r>
-              <a:rPr lang="en-US" sz="1050" dirty="0">
-                <a:solidFill>
-                  <a:srgbClr val="FF0000"/>
-                </a:solidFill>
-                <a:highlight>
-                  <a:srgbClr val="FFFFFF"/>
-                </a:highlight>
-                <a:latin typeface="Consolas" panose="020B0609020204030204" pitchFamily="49" charset="0"/>
-              </a:rPr>
-              <a:t>class</a:t>
-            </a:r>
-            <a:r>
-              <a:rPr lang="en-US" sz="1050" dirty="0">
-                <a:solidFill>
-                  <a:srgbClr val="0000FF"/>
-                </a:solidFill>
-                <a:highlight>
-                  <a:srgbClr val="FFFFFF"/>
-                </a:highlight>
-                <a:latin typeface="Consolas" panose="020B0609020204030204" pitchFamily="49" charset="0"/>
-              </a:rPr>
-              <a:t>="</a:t>
-            </a:r>
-            <a:r>
-              <a:rPr lang="en-US" sz="1050" dirty="0" err="1">
-                <a:solidFill>
-                  <a:srgbClr val="0000FF"/>
-                </a:solidFill>
-                <a:highlight>
-                  <a:srgbClr val="FFFFFF"/>
-                </a:highlight>
-                <a:latin typeface="Consolas" panose="020B0609020204030204" pitchFamily="49" charset="0"/>
-              </a:rPr>
-              <a:t>ms</a:t>
-            </a:r>
-            <a:r>
-              <a:rPr lang="en-US" sz="1050" dirty="0">
-                <a:solidFill>
-                  <a:srgbClr val="0000FF"/>
-                </a:solidFill>
-                <a:highlight>
-                  <a:srgbClr val="FFFFFF"/>
-                </a:highlight>
-                <a:latin typeface="Consolas" panose="020B0609020204030204" pitchFamily="49" charset="0"/>
-              </a:rPr>
-              <a:t>-Persona-</a:t>
-            </a:r>
-            <a:r>
-              <a:rPr lang="en-US" sz="1050" dirty="0" err="1">
-                <a:solidFill>
-                  <a:srgbClr val="0000FF"/>
-                </a:solidFill>
-                <a:highlight>
-                  <a:srgbClr val="FFFFFF"/>
-                </a:highlight>
-                <a:latin typeface="Consolas" panose="020B0609020204030204" pitchFamily="49" charset="0"/>
-              </a:rPr>
-              <a:t>imageArea</a:t>
-            </a:r>
-            <a:r>
-              <a:rPr lang="en-US" sz="1050" dirty="0">
-                <a:solidFill>
-                  <a:srgbClr val="0000FF"/>
-                </a:solidFill>
-                <a:highlight>
-                  <a:srgbClr val="FFFFFF"/>
-                </a:highlight>
-                <a:latin typeface="Consolas" panose="020B0609020204030204" pitchFamily="49" charset="0"/>
-              </a:rPr>
-              <a:t>"&gt;</a:t>
-            </a:r>
-          </a:p>
-          <a:p>
-            <a:r>
-              <a:rPr lang="en-US" sz="1050" dirty="0">
-                <a:solidFill>
-                  <a:srgbClr val="0000FF"/>
-                </a:solidFill>
-                <a:highlight>
-                  <a:srgbClr val="FFFFFF"/>
-                </a:highlight>
-                <a:latin typeface="Consolas" panose="020B0609020204030204" pitchFamily="49" charset="0"/>
-              </a:rPr>
-              <a:t>               &lt;</a:t>
-            </a:r>
-            <a:r>
-              <a:rPr lang="en-US" sz="1050" dirty="0" err="1">
-                <a:solidFill>
-                  <a:srgbClr val="800000"/>
-                </a:solidFill>
-                <a:highlight>
-                  <a:srgbClr val="FFFFFF"/>
-                </a:highlight>
-                <a:latin typeface="Consolas" panose="020B0609020204030204" pitchFamily="49" charset="0"/>
-              </a:rPr>
-              <a:t>img</a:t>
-            </a:r>
-            <a:r>
-              <a:rPr lang="en-US" sz="1050" dirty="0">
-                <a:solidFill>
-                  <a:srgbClr val="000000"/>
-                </a:solidFill>
-                <a:highlight>
-                  <a:srgbClr val="FFFFFF"/>
-                </a:highlight>
-                <a:latin typeface="Consolas" panose="020B0609020204030204" pitchFamily="49" charset="0"/>
-              </a:rPr>
-              <a:t> </a:t>
-            </a:r>
-            <a:r>
-              <a:rPr lang="en-US" sz="1050" dirty="0">
-                <a:solidFill>
-                  <a:srgbClr val="FF0000"/>
-                </a:solidFill>
-                <a:highlight>
-                  <a:srgbClr val="FFFFFF"/>
-                </a:highlight>
-                <a:latin typeface="Consolas" panose="020B0609020204030204" pitchFamily="49" charset="0"/>
-              </a:rPr>
-              <a:t>class</a:t>
-            </a:r>
-            <a:r>
-              <a:rPr lang="en-US" sz="1050" dirty="0">
-                <a:solidFill>
-                  <a:srgbClr val="0000FF"/>
-                </a:solidFill>
-                <a:highlight>
-                  <a:srgbClr val="FFFFFF"/>
-                </a:highlight>
-                <a:latin typeface="Consolas" panose="020B0609020204030204" pitchFamily="49" charset="0"/>
-              </a:rPr>
-              <a:t>="</a:t>
-            </a:r>
-            <a:r>
-              <a:rPr lang="en-US" sz="1050" dirty="0" err="1">
-                <a:solidFill>
-                  <a:srgbClr val="0000FF"/>
-                </a:solidFill>
-                <a:highlight>
-                  <a:srgbClr val="FFFFFF"/>
-                </a:highlight>
-                <a:latin typeface="Consolas" panose="020B0609020204030204" pitchFamily="49" charset="0"/>
-              </a:rPr>
-              <a:t>ms</a:t>
-            </a:r>
-            <a:r>
-              <a:rPr lang="en-US" sz="1050" dirty="0">
-                <a:solidFill>
-                  <a:srgbClr val="0000FF"/>
-                </a:solidFill>
-                <a:highlight>
-                  <a:srgbClr val="FFFFFF"/>
-                </a:highlight>
-                <a:latin typeface="Consolas" panose="020B0609020204030204" pitchFamily="49" charset="0"/>
-              </a:rPr>
-              <a:t>-Persona-image"</a:t>
-            </a:r>
-            <a:r>
-              <a:rPr lang="en-US" sz="1050" dirty="0">
-                <a:solidFill>
-                  <a:srgbClr val="000000"/>
-                </a:solidFill>
-                <a:highlight>
-                  <a:srgbClr val="FFFFFF"/>
-                </a:highlight>
-                <a:latin typeface="Consolas" panose="020B0609020204030204" pitchFamily="49" charset="0"/>
-              </a:rPr>
-              <a:t> </a:t>
-            </a:r>
-            <a:r>
-              <a:rPr lang="en-US" sz="1050" dirty="0" err="1">
-                <a:solidFill>
-                  <a:srgbClr val="FF0000"/>
-                </a:solidFill>
-                <a:highlight>
-                  <a:srgbClr val="FFFFFF"/>
-                </a:highlight>
-                <a:latin typeface="Consolas" panose="020B0609020204030204" pitchFamily="49" charset="0"/>
-              </a:rPr>
-              <a:t>src</a:t>
-            </a:r>
-            <a:r>
-              <a:rPr lang="en-US" sz="1050" dirty="0">
-                <a:solidFill>
-                  <a:srgbClr val="0000FF"/>
-                </a:solidFill>
-                <a:highlight>
-                  <a:srgbClr val="FFFFFF"/>
-                </a:highlight>
-                <a:latin typeface="Consolas" panose="020B0609020204030204" pitchFamily="49" charset="0"/>
-              </a:rPr>
-              <a:t>="</a:t>
-            </a:r>
-            <a:r>
-              <a:rPr lang="en-US" sz="1050" dirty="0">
-                <a:solidFill>
-                  <a:srgbClr val="000000"/>
-                </a:solidFill>
-                <a:highlight>
-                  <a:srgbClr val="FFFF00"/>
-                </a:highlight>
-                <a:latin typeface="Consolas" panose="020B0609020204030204" pitchFamily="49" charset="0"/>
-              </a:rPr>
-              <a:t>@</a:t>
-            </a:r>
-            <a:r>
-              <a:rPr lang="en-US" sz="1050" dirty="0" err="1">
-                <a:solidFill>
-                  <a:srgbClr val="000000"/>
-                </a:solidFill>
-                <a:highlight>
-                  <a:srgbClr val="FFFFFF"/>
-                </a:highlight>
-                <a:latin typeface="Consolas" panose="020B0609020204030204" pitchFamily="49" charset="0"/>
-              </a:rPr>
-              <a:t>Url.Action</a:t>
-            </a:r>
-            <a:r>
-              <a:rPr lang="en-US" sz="1050" dirty="0">
-                <a:solidFill>
-                  <a:srgbClr val="000000"/>
-                </a:solidFill>
-                <a:highlight>
-                  <a:srgbClr val="FFFFFF"/>
-                </a:highlight>
-                <a:latin typeface="Consolas" panose="020B0609020204030204" pitchFamily="49" charset="0"/>
-              </a:rPr>
-              <a:t>(</a:t>
-            </a:r>
-            <a:r>
-              <a:rPr lang="en-US" sz="1050" dirty="0">
-                <a:solidFill>
-                  <a:srgbClr val="A31515"/>
-                </a:solidFill>
-                <a:highlight>
-                  <a:srgbClr val="FFFFFF"/>
-                </a:highlight>
-                <a:latin typeface="Consolas" panose="020B0609020204030204" pitchFamily="49" charset="0"/>
-              </a:rPr>
-              <a:t>"</a:t>
-            </a:r>
-            <a:r>
-              <a:rPr lang="en-US" sz="1050" dirty="0" err="1">
-                <a:solidFill>
-                  <a:srgbClr val="A31515"/>
-                </a:solidFill>
-                <a:highlight>
-                  <a:srgbClr val="FFFFFF"/>
-                </a:highlight>
-                <a:latin typeface="Consolas" panose="020B0609020204030204" pitchFamily="49" charset="0"/>
-              </a:rPr>
-              <a:t>UserPhoto</a:t>
-            </a:r>
-            <a:r>
-              <a:rPr lang="en-US" sz="1050" dirty="0">
-                <a:solidFill>
-                  <a:srgbClr val="A31515"/>
-                </a:solidFill>
-                <a:highlight>
-                  <a:srgbClr val="FFFFFF"/>
-                </a:highlight>
-                <a:latin typeface="Consolas" panose="020B0609020204030204" pitchFamily="49" charset="0"/>
-              </a:rPr>
-              <a:t>"</a:t>
-            </a:r>
-            <a:r>
-              <a:rPr lang="en-US" sz="1050" dirty="0">
-                <a:solidFill>
-                  <a:srgbClr val="000000"/>
-                </a:solidFill>
-                <a:highlight>
-                  <a:srgbClr val="FFFFFF"/>
-                </a:highlight>
-                <a:latin typeface="Consolas" panose="020B0609020204030204" pitchFamily="49" charset="0"/>
-              </a:rPr>
-              <a:t>, </a:t>
-            </a:r>
-            <a:r>
-              <a:rPr lang="en-US" sz="1050" dirty="0">
-                <a:solidFill>
-                  <a:srgbClr val="A31515"/>
-                </a:solidFill>
-                <a:highlight>
-                  <a:srgbClr val="FFFFFF"/>
-                </a:highlight>
-                <a:latin typeface="Consolas" panose="020B0609020204030204" pitchFamily="49" charset="0"/>
-              </a:rPr>
-              <a:t>"Photo"</a:t>
-            </a:r>
-            <a:r>
-              <a:rPr lang="en-US" sz="1050" dirty="0">
-                <a:solidFill>
-                  <a:srgbClr val="000000"/>
-                </a:solidFill>
-                <a:highlight>
-                  <a:srgbClr val="FFFFFF"/>
-                </a:highlight>
-                <a:latin typeface="Consolas" panose="020B0609020204030204" pitchFamily="49" charset="0"/>
-              </a:rPr>
-              <a:t>, </a:t>
-            </a:r>
-            <a:r>
-              <a:rPr lang="en-US" sz="1050" dirty="0">
-                <a:solidFill>
-                  <a:srgbClr val="0000FF"/>
-                </a:solidFill>
-                <a:highlight>
-                  <a:srgbClr val="FFFFFF"/>
-                </a:highlight>
-                <a:latin typeface="Consolas" panose="020B0609020204030204" pitchFamily="49" charset="0"/>
-              </a:rPr>
-              <a:t>new</a:t>
-            </a:r>
-            <a:r>
-              <a:rPr lang="en-US" sz="1050" dirty="0">
-                <a:solidFill>
-                  <a:srgbClr val="000000"/>
-                </a:solidFill>
-                <a:highlight>
-                  <a:srgbClr val="FFFFFF"/>
-                </a:highlight>
-                <a:latin typeface="Consolas" panose="020B0609020204030204" pitchFamily="49" charset="0"/>
-              </a:rPr>
-              <a:t> { </a:t>
-            </a:r>
-            <a:r>
-              <a:rPr lang="en-US" sz="1050" dirty="0" err="1">
-                <a:solidFill>
-                  <a:srgbClr val="000000"/>
-                </a:solidFill>
-                <a:highlight>
-                  <a:srgbClr val="FFFFFF"/>
-                </a:highlight>
-                <a:latin typeface="Consolas" panose="020B0609020204030204" pitchFamily="49" charset="0"/>
-              </a:rPr>
-              <a:t>userId</a:t>
-            </a:r>
-            <a:r>
-              <a:rPr lang="en-US" sz="1050" dirty="0">
-                <a:solidFill>
-                  <a:srgbClr val="000000"/>
-                </a:solidFill>
-                <a:highlight>
-                  <a:srgbClr val="FFFFFF"/>
-                </a:highlight>
-                <a:latin typeface="Consolas" panose="020B0609020204030204" pitchFamily="49" charset="0"/>
-              </a:rPr>
-              <a:t> = item.id })</a:t>
-            </a:r>
-            <a:r>
-              <a:rPr lang="en-US" sz="1050" dirty="0">
-                <a:solidFill>
-                  <a:srgbClr val="0000FF"/>
-                </a:solidFill>
-                <a:highlight>
-                  <a:srgbClr val="FFFFFF"/>
-                </a:highlight>
-                <a:latin typeface="Consolas" panose="020B0609020204030204" pitchFamily="49" charset="0"/>
-              </a:rPr>
-              <a:t>"&gt;</a:t>
-            </a:r>
-            <a:endParaRPr lang="en-US" sz="1050" dirty="0">
-              <a:solidFill>
-                <a:srgbClr val="000000"/>
-              </a:solidFill>
-              <a:highlight>
-                <a:srgbClr val="FFFFFF"/>
-              </a:highlight>
-              <a:latin typeface="Consolas" panose="020B0609020204030204" pitchFamily="49" charset="0"/>
-            </a:endParaRPr>
-          </a:p>
-          <a:p>
-            <a:r>
-              <a:rPr lang="en-US" sz="1050" dirty="0">
-                <a:solidFill>
-                  <a:srgbClr val="000000"/>
-                </a:solidFill>
-                <a:highlight>
-                  <a:srgbClr val="FFFFFF"/>
-                </a:highlight>
-                <a:latin typeface="Consolas" panose="020B0609020204030204" pitchFamily="49" charset="0"/>
-              </a:rPr>
-              <a:t>            </a:t>
-            </a:r>
-            <a:r>
-              <a:rPr lang="en-US" sz="1050" dirty="0">
-                <a:solidFill>
-                  <a:srgbClr val="0000FF"/>
-                </a:solidFill>
-                <a:highlight>
-                  <a:srgbClr val="FFFFFF"/>
-                </a:highlight>
-                <a:latin typeface="Consolas" panose="020B0609020204030204" pitchFamily="49" charset="0"/>
-              </a:rPr>
-              <a:t>&lt;/</a:t>
-            </a:r>
-            <a:r>
-              <a:rPr lang="en-US" sz="1050" dirty="0">
-                <a:solidFill>
-                  <a:srgbClr val="800000"/>
-                </a:solidFill>
-                <a:highlight>
-                  <a:srgbClr val="FFFFFF"/>
-                </a:highlight>
-                <a:latin typeface="Consolas" panose="020B0609020204030204" pitchFamily="49" charset="0"/>
-              </a:rPr>
-              <a:t>div</a:t>
-            </a:r>
-            <a:r>
-              <a:rPr lang="en-US" sz="1050" dirty="0">
-                <a:solidFill>
-                  <a:srgbClr val="0000FF"/>
-                </a:solidFill>
-                <a:highlight>
-                  <a:srgbClr val="FFFFFF"/>
-                </a:highlight>
-                <a:latin typeface="Consolas" panose="020B0609020204030204" pitchFamily="49" charset="0"/>
-              </a:rPr>
-              <a:t>&gt;</a:t>
-            </a:r>
-            <a:endParaRPr lang="en-US" sz="1050" dirty="0">
-              <a:solidFill>
-                <a:srgbClr val="000000"/>
-              </a:solidFill>
-              <a:highlight>
-                <a:srgbClr val="FFFFFF"/>
-              </a:highlight>
-              <a:latin typeface="Consolas" panose="020B0609020204030204" pitchFamily="49" charset="0"/>
-            </a:endParaRPr>
-          </a:p>
-          <a:p>
-            <a:r>
-              <a:rPr lang="en-US" sz="1050" dirty="0">
-                <a:solidFill>
-                  <a:srgbClr val="0000FF"/>
-                </a:solidFill>
-                <a:highlight>
-                  <a:srgbClr val="FFFFFF"/>
-                </a:highlight>
-                <a:latin typeface="Consolas" panose="020B0609020204030204" pitchFamily="49" charset="0"/>
-              </a:rPr>
-              <a:t>         &lt;</a:t>
-            </a:r>
-            <a:r>
-              <a:rPr lang="en-US" sz="1050" dirty="0">
-                <a:solidFill>
-                  <a:srgbClr val="800000"/>
-                </a:solidFill>
-                <a:highlight>
-                  <a:srgbClr val="FFFFFF"/>
-                </a:highlight>
-                <a:latin typeface="Consolas" panose="020B0609020204030204" pitchFamily="49" charset="0"/>
-              </a:rPr>
-              <a:t>div</a:t>
-            </a:r>
-            <a:r>
-              <a:rPr lang="en-US" sz="1050" dirty="0">
-                <a:solidFill>
-                  <a:srgbClr val="000000"/>
-                </a:solidFill>
-                <a:highlight>
-                  <a:srgbClr val="FFFFFF"/>
-                </a:highlight>
-                <a:latin typeface="Consolas" panose="020B0609020204030204" pitchFamily="49" charset="0"/>
-              </a:rPr>
-              <a:t> </a:t>
-            </a:r>
-            <a:r>
-              <a:rPr lang="en-US" sz="1050" dirty="0">
-                <a:solidFill>
-                  <a:srgbClr val="FF0000"/>
-                </a:solidFill>
-                <a:highlight>
-                  <a:srgbClr val="FFFFFF"/>
-                </a:highlight>
-                <a:latin typeface="Consolas" panose="020B0609020204030204" pitchFamily="49" charset="0"/>
-              </a:rPr>
-              <a:t>class</a:t>
-            </a:r>
-            <a:r>
-              <a:rPr lang="en-US" sz="1050" dirty="0">
-                <a:solidFill>
-                  <a:srgbClr val="0000FF"/>
-                </a:solidFill>
-                <a:highlight>
-                  <a:srgbClr val="FFFFFF"/>
-                </a:highlight>
-                <a:latin typeface="Consolas" panose="020B0609020204030204" pitchFamily="49" charset="0"/>
-              </a:rPr>
-              <a:t>="</a:t>
-            </a:r>
-            <a:r>
-              <a:rPr lang="en-US" sz="1050" dirty="0" err="1">
-                <a:solidFill>
-                  <a:srgbClr val="0000FF"/>
-                </a:solidFill>
-                <a:highlight>
-                  <a:srgbClr val="FFFFFF"/>
-                </a:highlight>
-                <a:latin typeface="Consolas" panose="020B0609020204030204" pitchFamily="49" charset="0"/>
-              </a:rPr>
-              <a:t>ms</a:t>
-            </a:r>
-            <a:r>
-              <a:rPr lang="en-US" sz="1050" dirty="0">
-                <a:solidFill>
-                  <a:srgbClr val="0000FF"/>
-                </a:solidFill>
-                <a:highlight>
-                  <a:srgbClr val="FFFFFF"/>
-                </a:highlight>
-                <a:latin typeface="Consolas" panose="020B0609020204030204" pitchFamily="49" charset="0"/>
-              </a:rPr>
-              <a:t>-Persona-details"&gt;</a:t>
-            </a:r>
-            <a:endParaRPr lang="en-US" sz="1050" dirty="0">
-              <a:solidFill>
-                <a:srgbClr val="000000"/>
-              </a:solidFill>
-              <a:highlight>
-                <a:srgbClr val="FFFFFF"/>
-              </a:highlight>
-              <a:latin typeface="Consolas" panose="020B0609020204030204" pitchFamily="49" charset="0"/>
-            </a:endParaRPr>
-          </a:p>
-          <a:p>
-            <a:r>
-              <a:rPr lang="en-US" sz="1050" dirty="0">
-                <a:solidFill>
-                  <a:srgbClr val="0000FF"/>
-                </a:solidFill>
-                <a:highlight>
-                  <a:srgbClr val="FFFFFF"/>
-                </a:highlight>
-                <a:latin typeface="Consolas" panose="020B0609020204030204" pitchFamily="49" charset="0"/>
-              </a:rPr>
-              <a:t>         &lt;</a:t>
-            </a:r>
-            <a:r>
-              <a:rPr lang="en-US" sz="1050" dirty="0">
-                <a:solidFill>
-                  <a:srgbClr val="800000"/>
-                </a:solidFill>
-                <a:highlight>
-                  <a:srgbClr val="FFFFFF"/>
-                </a:highlight>
-                <a:latin typeface="Consolas" panose="020B0609020204030204" pitchFamily="49" charset="0"/>
-              </a:rPr>
-              <a:t>div</a:t>
-            </a:r>
-            <a:r>
-              <a:rPr lang="en-US" sz="1050" dirty="0">
-                <a:solidFill>
-                  <a:srgbClr val="000000"/>
-                </a:solidFill>
-                <a:highlight>
-                  <a:srgbClr val="FFFFFF"/>
-                </a:highlight>
-                <a:latin typeface="Consolas" panose="020B0609020204030204" pitchFamily="49" charset="0"/>
-              </a:rPr>
-              <a:t> </a:t>
-            </a:r>
-            <a:r>
-              <a:rPr lang="en-US" sz="1050" dirty="0">
-                <a:solidFill>
-                  <a:srgbClr val="FF0000"/>
-                </a:solidFill>
-                <a:highlight>
-                  <a:srgbClr val="FFFFFF"/>
-                </a:highlight>
-                <a:latin typeface="Consolas" panose="020B0609020204030204" pitchFamily="49" charset="0"/>
-              </a:rPr>
-              <a:t>class</a:t>
-            </a:r>
-            <a:r>
-              <a:rPr lang="en-US" sz="1050" dirty="0">
-                <a:solidFill>
-                  <a:srgbClr val="0000FF"/>
-                </a:solidFill>
-                <a:highlight>
-                  <a:srgbClr val="FFFFFF"/>
-                </a:highlight>
-                <a:latin typeface="Consolas" panose="020B0609020204030204" pitchFamily="49" charset="0"/>
-              </a:rPr>
-              <a:t>="</a:t>
-            </a:r>
-            <a:r>
-              <a:rPr lang="en-US" sz="1050" dirty="0" err="1">
-                <a:solidFill>
-                  <a:srgbClr val="0000FF"/>
-                </a:solidFill>
-                <a:highlight>
-                  <a:srgbClr val="FFFFFF"/>
-                </a:highlight>
-                <a:latin typeface="Consolas" panose="020B0609020204030204" pitchFamily="49" charset="0"/>
-              </a:rPr>
-              <a:t>ms</a:t>
-            </a:r>
-            <a:r>
-              <a:rPr lang="en-US" sz="1050" dirty="0">
-                <a:solidFill>
-                  <a:srgbClr val="0000FF"/>
-                </a:solidFill>
-                <a:highlight>
-                  <a:srgbClr val="FFFFFF"/>
-                </a:highlight>
-                <a:latin typeface="Consolas" panose="020B0609020204030204" pitchFamily="49" charset="0"/>
-              </a:rPr>
-              <a:t>-Persona-</a:t>
-            </a:r>
-            <a:r>
-              <a:rPr lang="en-US" sz="1050" dirty="0" err="1">
-                <a:solidFill>
-                  <a:srgbClr val="0000FF"/>
-                </a:solidFill>
-                <a:highlight>
-                  <a:srgbClr val="FFFFFF"/>
-                </a:highlight>
-                <a:latin typeface="Consolas" panose="020B0609020204030204" pitchFamily="49" charset="0"/>
-              </a:rPr>
-              <a:t>primaryText</a:t>
-            </a:r>
-            <a:r>
-              <a:rPr lang="en-US" sz="1050" dirty="0">
-                <a:solidFill>
-                  <a:srgbClr val="0000FF"/>
-                </a:solidFill>
-                <a:highlight>
-                  <a:srgbClr val="FFFFFF"/>
-                </a:highlight>
-                <a:latin typeface="Consolas" panose="020B0609020204030204" pitchFamily="49" charset="0"/>
-              </a:rPr>
-              <a:t>"&gt;</a:t>
-            </a:r>
-          </a:p>
-          <a:p>
-            <a:r>
-              <a:rPr lang="en-US" sz="1050" dirty="0">
-                <a:solidFill>
-                  <a:srgbClr val="0000FF"/>
-                </a:solidFill>
-                <a:highlight>
-                  <a:srgbClr val="FFFFFF"/>
-                </a:highlight>
-                <a:latin typeface="Consolas" panose="020B0609020204030204" pitchFamily="49" charset="0"/>
-              </a:rPr>
-              <a:t>            </a:t>
-            </a:r>
-            <a:r>
-              <a:rPr lang="en-US" sz="1050" dirty="0">
-                <a:solidFill>
-                  <a:srgbClr val="000000"/>
-                </a:solidFill>
-                <a:highlight>
-                  <a:srgbClr val="FFFF00"/>
-                </a:highlight>
-                <a:latin typeface="Consolas" panose="020B0609020204030204" pitchFamily="49" charset="0"/>
-              </a:rPr>
-              <a:t>@</a:t>
-            </a:r>
-            <a:r>
-              <a:rPr lang="en-US" sz="1050" dirty="0" err="1">
-                <a:solidFill>
-                  <a:srgbClr val="000000"/>
-                </a:solidFill>
-                <a:highlight>
-                  <a:srgbClr val="FFFFFF"/>
-                </a:highlight>
-                <a:latin typeface="Consolas" panose="020B0609020204030204" pitchFamily="49" charset="0"/>
-              </a:rPr>
-              <a:t>item.displayName</a:t>
-            </a:r>
-            <a:endParaRPr lang="en-US" sz="1050" dirty="0">
-              <a:solidFill>
-                <a:srgbClr val="000000"/>
-              </a:solidFill>
-              <a:highlight>
-                <a:srgbClr val="FFFFFF"/>
-              </a:highlight>
-              <a:latin typeface="Consolas" panose="020B0609020204030204" pitchFamily="49" charset="0"/>
-            </a:endParaRPr>
-          </a:p>
-          <a:p>
-            <a:r>
-              <a:rPr lang="en-US" sz="1050" dirty="0">
-                <a:solidFill>
-                  <a:srgbClr val="000000"/>
-                </a:solidFill>
-                <a:highlight>
-                  <a:srgbClr val="FFFFFF"/>
-                </a:highlight>
-                <a:latin typeface="Consolas" panose="020B0609020204030204" pitchFamily="49" charset="0"/>
-              </a:rPr>
-              <a:t>         </a:t>
-            </a:r>
-            <a:r>
-              <a:rPr lang="en-US" sz="1050" dirty="0">
-                <a:solidFill>
-                  <a:srgbClr val="0000FF"/>
-                </a:solidFill>
-                <a:highlight>
-                  <a:srgbClr val="FFFFFF"/>
-                </a:highlight>
-                <a:latin typeface="Consolas" panose="020B0609020204030204" pitchFamily="49" charset="0"/>
-              </a:rPr>
-              <a:t>&lt;/</a:t>
-            </a:r>
-            <a:r>
-              <a:rPr lang="en-US" sz="1050" dirty="0">
-                <a:solidFill>
-                  <a:srgbClr val="800000"/>
-                </a:solidFill>
-                <a:highlight>
-                  <a:srgbClr val="FFFFFF"/>
-                </a:highlight>
-                <a:latin typeface="Consolas" panose="020B0609020204030204" pitchFamily="49" charset="0"/>
-              </a:rPr>
-              <a:t>div</a:t>
-            </a:r>
-            <a:r>
-              <a:rPr lang="en-US" sz="1050" dirty="0">
-                <a:solidFill>
-                  <a:srgbClr val="0000FF"/>
-                </a:solidFill>
-                <a:highlight>
-                  <a:srgbClr val="FFFFFF"/>
-                </a:highlight>
-                <a:latin typeface="Consolas" panose="020B0609020204030204" pitchFamily="49" charset="0"/>
-              </a:rPr>
-              <a:t>&gt;</a:t>
-            </a:r>
-            <a:endParaRPr lang="en-US" sz="1050" dirty="0"/>
-          </a:p>
-        </p:txBody>
-      </p:sp>
-      <p:cxnSp>
-        <p:nvCxnSpPr>
-          <p:cNvPr id="14" name="Straight Arrow Connector 13"/>
-          <p:cNvCxnSpPr/>
-          <p:nvPr/>
-        </p:nvCxnSpPr>
-        <p:spPr>
-          <a:xfrm flipH="1" flipV="1">
-            <a:off x="678190" y="2245347"/>
-            <a:ext cx="823038" cy="2454318"/>
-          </a:xfrm>
-          <a:prstGeom prst="straightConnector1">
-            <a:avLst/>
-          </a:prstGeom>
-          <a:ln w="41275">
-            <a:headEnd type="none"/>
-            <a:tailEnd type="triangle"/>
-          </a:ln>
-        </p:spPr>
-        <p:style>
-          <a:lnRef idx="1">
-            <a:schemeClr val="accent1"/>
-          </a:lnRef>
-          <a:fillRef idx="0">
-            <a:schemeClr val="accent1"/>
-          </a:fillRef>
-          <a:effectRef idx="0">
-            <a:schemeClr val="accent1"/>
-          </a:effectRef>
-          <a:fontRef idx="minor">
-            <a:schemeClr val="tx1"/>
-          </a:fontRef>
-        </p:style>
-      </p:cxnSp>
-      <p:cxnSp>
-        <p:nvCxnSpPr>
-          <p:cNvPr id="15" name="Straight Arrow Connector 14"/>
-          <p:cNvCxnSpPr/>
-          <p:nvPr/>
-        </p:nvCxnSpPr>
-        <p:spPr>
-          <a:xfrm flipH="1" flipV="1">
-            <a:off x="1241446" y="2063516"/>
-            <a:ext cx="1121321" cy="3112648"/>
-          </a:xfrm>
-          <a:prstGeom prst="straightConnector1">
-            <a:avLst/>
-          </a:prstGeom>
-          <a:ln w="41275">
-            <a:headEnd type="none"/>
-            <a:tailEnd type="triangle"/>
-          </a:ln>
-        </p:spPr>
-        <p:style>
-          <a:lnRef idx="1">
-            <a:schemeClr val="accent1"/>
-          </a:lnRef>
-          <a:fillRef idx="0">
-            <a:schemeClr val="accent1"/>
-          </a:fillRef>
-          <a:effectRef idx="0">
-            <a:schemeClr val="accent1"/>
-          </a:effectRef>
-          <a:fontRef idx="minor">
-            <a:schemeClr val="tx1"/>
-          </a:fontRef>
-        </p:style>
-      </p:cxnSp>
-    </p:spTree>
-    <p:extLst>
-      <p:ext uri="{BB962C8B-B14F-4D97-AF65-F5344CB8AC3E}">
-        <p14:creationId xmlns:p14="http://schemas.microsoft.com/office/powerpoint/2010/main" val="3588112121"/>
-      </p:ext>
-    </p:extLst>
-  </p:cSld>
-  <p:clrMapOvr>
-    <a:masterClrMapping/>
-  </p:clrMapOvr>
-  <mc:AlternateContent xmlns:mc="http://schemas.openxmlformats.org/markup-compatibility/2006" xmlns:p14="http://schemas.microsoft.com/office/powerpoint/2010/main">
-    <mc:Choice Requires="p14">
-      <p:transition spd="med" p14:dur="700">
-        <p:fade/>
-      </p:transition>
-    </mc:Choice>
-    <mc:Fallback xmlns="">
-      <p:transition spd="med">
-        <p:fade/>
-      </p:transition>
-    </mc:Fallback>
-  </mc:AlternateContent>
-  <p:timing>
-    <p:tnLst>
-      <p:par>
-        <p:cTn id="1" dur="indefinite" restart="never" nodeType="tmRoot">
-          <p:childTnLst>
-            <p:seq concurrent="1" nextAc="seek">
-              <p:cTn id="2" dur="indefinite" nodeType="mainSeq">
-                <p:childTnLst>
-                  <p:par>
-                    <p:cTn id="3" fill="hold">
-                      <p:stCondLst>
-                        <p:cond delay="indefinite"/>
-                      </p:stCondLst>
-                      <p:childTnLst>
-                        <p:par>
-                          <p:cTn id="4" fill="hold">
-                            <p:stCondLst>
-                              <p:cond delay="0"/>
-                            </p:stCondLst>
-                            <p:childTnLst>
-                              <p:par>
-                                <p:cTn id="5" presetID="1" presetClass="entr" presetSubtype="0" fill="hold" nodeType="clickEffect">
-                                  <p:stCondLst>
-                                    <p:cond delay="0"/>
-                                  </p:stCondLst>
-                                  <p:childTnLst>
-                                    <p:set>
-                                      <p:cBhvr>
-                                        <p:cTn id="6" dur="1" fill="hold">
-                                          <p:stCondLst>
-                                            <p:cond delay="0"/>
-                                          </p:stCondLst>
-                                        </p:cTn>
-                                        <p:tgtEl>
-                                          <p:spTgt spid="14"/>
-                                        </p:tgtEl>
-                                        <p:attrNameLst>
-                                          <p:attrName>style.visibility</p:attrName>
-                                        </p:attrNameLst>
-                                      </p:cBhvr>
-                                      <p:to>
-                                        <p:strVal val="visible"/>
-                                      </p:to>
-                                    </p:set>
-                                  </p:childTnLst>
-                                </p:cTn>
-                              </p:par>
-                            </p:childTnLst>
-                          </p:cTn>
-                        </p:par>
-                      </p:childTnLst>
-                    </p:cTn>
-                  </p:par>
-                  <p:par>
-                    <p:cTn id="7" fill="hold">
-                      <p:stCondLst>
-                        <p:cond delay="indefinite"/>
-                      </p:stCondLst>
-                      <p:childTnLst>
-                        <p:par>
-                          <p:cTn id="8" fill="hold">
-                            <p:stCondLst>
-                              <p:cond delay="0"/>
-                            </p:stCondLst>
-                            <p:childTnLst>
-                              <p:par>
-                                <p:cTn id="9" presetID="1" presetClass="entr" presetSubtype="0" fill="hold" nodeType="clickEffect">
-                                  <p:stCondLst>
-                                    <p:cond delay="0"/>
-                                  </p:stCondLst>
-                                  <p:childTnLst>
-                                    <p:set>
-                                      <p:cBhvr>
-                                        <p:cTn id="10" dur="1" fill="hold">
-                                          <p:stCondLst>
-                                            <p:cond delay="0"/>
-                                          </p:stCondLst>
-                                        </p:cTn>
-                                        <p:tgtEl>
-                                          <p:spTgt spid="15"/>
-                                        </p:tgtEl>
-                                        <p:attrNameLst>
-                                          <p:attrName>style.visibility</p:attrName>
-                                        </p:attrNameLst>
-                                      </p:cBhvr>
-                                      <p:to>
-                                        <p:strVal val="visible"/>
-                                      </p:to>
-                                    </p:set>
-                                  </p:childTnLst>
-                                </p:cTn>
-                              </p:par>
-                            </p:childTnLst>
-                          </p:cTn>
-                        </p:par>
-                      </p:childTnLst>
-                    </p:cTn>
-                  </p:par>
-                </p:childTnLst>
-              </p:cTn>
-              <p:prevCondLst>
-                <p:cond evt="onPrev" delay="0">
-                  <p:tgtEl>
-                    <p:sldTgt/>
-                  </p:tgtEl>
-                </p:cond>
-              </p:prevCondLst>
-              <p:nextCondLst>
-                <p:cond evt="onNext" delay="0">
-                  <p:tgtEl>
-                    <p:sldTgt/>
-                  </p:tgtEl>
-                </p:cond>
-              </p:nextCondLst>
-            </p:seq>
-          </p:childTnLst>
-        </p:cTn>
-      </p:par>
-    </p:tnLst>
-  </p:timing>
-</p:sld>
-</file>
-
 <file path=ppt/slides/slide2.xml><?xml version="1.0" encoding="utf-8"?>
 <p:sld xmlns:a="http://schemas.openxmlformats.org/drawingml/2006/main" xmlns:r="http://schemas.openxmlformats.org/officeDocument/2006/relationships" xmlns:p="http://schemas.openxmlformats.org/presentationml/2006/main">
   <p:cSld>
@@ -8410,7 +7852,687 @@
 </p:sld>
 </file>
 
+<file path=ppt/slides/slide20.xml><?xml version="1.0" encoding="utf-8"?>
+<p:sld xmlns:a="http://schemas.openxmlformats.org/drawingml/2006/main" xmlns:r="http://schemas.openxmlformats.org/officeDocument/2006/relationships" xmlns:p="http://schemas.openxmlformats.org/presentationml/2006/main">
+  <p:cSld>
+    <p:spTree>
+      <p:nvGrpSpPr>
+        <p:cNvPr id="1" name=""/>
+        <p:cNvGrpSpPr/>
+        <p:nvPr/>
+      </p:nvGrpSpPr>
+      <p:grpSpPr>
+        <a:xfrm>
+          <a:off x="0" y="0"/>
+          <a:ext cx="0" cy="0"/>
+          <a:chOff x="0" y="0"/>
+          <a:chExt cx="0" cy="0"/>
+        </a:xfrm>
+      </p:grpSpPr>
+      <p:sp>
+        <p:nvSpPr>
+          <p:cNvPr id="2" name="Title 1"/>
+          <p:cNvSpPr>
+            <a:spLocks noGrp="1"/>
+          </p:cNvSpPr>
+          <p:nvPr>
+            <p:ph type="title"/>
+          </p:nvPr>
+        </p:nvSpPr>
+        <p:spPr/>
+        <p:txBody>
+          <a:bodyPr/>
+          <a:lstStyle/>
+          <a:p>
+            <a:r>
+              <a:rPr lang="en-US"/>
+              <a:t>Agenda</a:t>
+            </a:r>
+            <a:endParaRPr lang="en-US" dirty="0"/>
+          </a:p>
+        </p:txBody>
+      </p:sp>
+      <p:sp>
+        <p:nvSpPr>
+          <p:cNvPr id="3" name="Content Placeholder 2"/>
+          <p:cNvSpPr>
+            <a:spLocks noGrp="1"/>
+          </p:cNvSpPr>
+          <p:nvPr>
+            <p:ph idx="1"/>
+          </p:nvPr>
+        </p:nvSpPr>
+        <p:spPr/>
+        <p:txBody>
+          <a:bodyPr>
+            <a:noAutofit/>
+          </a:bodyPr>
+          <a:lstStyle/>
+          <a:p>
+            <a:pPr lvl="0">
+              <a:buFont typeface="Wingdings" panose="05000000000000000000" pitchFamily="2" charset="2"/>
+              <a:buChar char="ü"/>
+            </a:pPr>
+            <a:r>
+              <a:rPr lang="en-US" sz="2400" dirty="0"/>
+              <a:t>Designing and Developing React Web Parts</a:t>
+            </a:r>
+          </a:p>
+          <a:p>
+            <a:pPr lvl="0">
+              <a:buFont typeface="Wingdings" panose="05000000000000000000" pitchFamily="2" charset="2"/>
+              <a:buChar char="ü"/>
+            </a:pPr>
+            <a:r>
+              <a:rPr lang="en-US" sz="2400" dirty="0"/>
+              <a:t>Web Part Properties versus React Component State</a:t>
+            </a:r>
+          </a:p>
+          <a:p>
+            <a:pPr lvl="0">
+              <a:buFont typeface="Wingdings" panose="05000000000000000000" pitchFamily="2" charset="2"/>
+              <a:buChar char="ü"/>
+            </a:pPr>
+            <a:r>
+              <a:rPr lang="en-US" sz="2400" dirty="0"/>
+              <a:t>Leveraging the Office UI Fabric React Library</a:t>
+            </a:r>
+          </a:p>
+          <a:p>
+            <a:pPr lvl="0">
+              <a:buFont typeface="Wingdings" panose="05000000000000000000" pitchFamily="2" charset="2"/>
+              <a:buChar char="Ø"/>
+            </a:pPr>
+            <a:r>
+              <a:rPr lang="en-US" sz="2400" dirty="0"/>
+              <a:t>Developing Web Parts using the SharePoint REST API</a:t>
+            </a:r>
+          </a:p>
+          <a:p>
+            <a:pPr lvl="0"/>
+            <a:r>
+              <a:rPr lang="en-US" sz="2400" dirty="0"/>
+              <a:t>Designing Web Parts to Manage SharePoint Lists</a:t>
+            </a:r>
+          </a:p>
+        </p:txBody>
+      </p:sp>
+    </p:spTree>
+    <p:extLst>
+      <p:ext uri="{BB962C8B-B14F-4D97-AF65-F5344CB8AC3E}">
+        <p14:creationId xmlns:p14="http://schemas.microsoft.com/office/powerpoint/2010/main" val="3032063737"/>
+      </p:ext>
+    </p:extLst>
+  </p:cSld>
+  <p:clrMapOvr>
+    <a:masterClrMapping/>
+  </p:clrMapOvr>
+</p:sld>
+</file>
+
+<file path=ppt/slides/slide21.xml><?xml version="1.0" encoding="utf-8"?>
+<p:sld xmlns:a="http://schemas.openxmlformats.org/drawingml/2006/main" xmlns:r="http://schemas.openxmlformats.org/officeDocument/2006/relationships" xmlns:p="http://schemas.openxmlformats.org/presentationml/2006/main">
+  <p:cSld>
+    <p:spTree>
+      <p:nvGrpSpPr>
+        <p:cNvPr id="1" name=""/>
+        <p:cNvGrpSpPr/>
+        <p:nvPr/>
+      </p:nvGrpSpPr>
+      <p:grpSpPr>
+        <a:xfrm>
+          <a:off x="0" y="0"/>
+          <a:ext cx="0" cy="0"/>
+          <a:chOff x="0" y="0"/>
+          <a:chExt cx="0" cy="0"/>
+        </a:xfrm>
+      </p:grpSpPr>
+      <p:sp>
+        <p:nvSpPr>
+          <p:cNvPr id="2" name="Title 1"/>
+          <p:cNvSpPr>
+            <a:spLocks noGrp="1"/>
+          </p:cNvSpPr>
+          <p:nvPr>
+            <p:ph type="title"/>
+          </p:nvPr>
+        </p:nvSpPr>
+        <p:spPr/>
+        <p:txBody>
+          <a:bodyPr/>
+          <a:lstStyle/>
+          <a:p>
+            <a:r>
+              <a:rPr lang="en-US"/>
+              <a:t>Agenda</a:t>
+            </a:r>
+            <a:endParaRPr lang="en-US" dirty="0"/>
+          </a:p>
+        </p:txBody>
+      </p:sp>
+      <p:sp>
+        <p:nvSpPr>
+          <p:cNvPr id="3" name="Content Placeholder 2"/>
+          <p:cNvSpPr>
+            <a:spLocks noGrp="1"/>
+          </p:cNvSpPr>
+          <p:nvPr>
+            <p:ph idx="1"/>
+          </p:nvPr>
+        </p:nvSpPr>
+        <p:spPr/>
+        <p:txBody>
+          <a:bodyPr>
+            <a:noAutofit/>
+          </a:bodyPr>
+          <a:lstStyle/>
+          <a:p>
+            <a:pPr lvl="0">
+              <a:buFont typeface="Wingdings" panose="05000000000000000000" pitchFamily="2" charset="2"/>
+              <a:buChar char="ü"/>
+            </a:pPr>
+            <a:r>
+              <a:rPr lang="en-US" sz="2400" dirty="0"/>
+              <a:t>Designing and Developing React Web Parts</a:t>
+            </a:r>
+          </a:p>
+          <a:p>
+            <a:pPr lvl="0">
+              <a:buFont typeface="Wingdings" panose="05000000000000000000" pitchFamily="2" charset="2"/>
+              <a:buChar char="ü"/>
+            </a:pPr>
+            <a:r>
+              <a:rPr lang="en-US" sz="2400" dirty="0"/>
+              <a:t>Web Part Properties versus React Component State</a:t>
+            </a:r>
+          </a:p>
+          <a:p>
+            <a:pPr lvl="0">
+              <a:buFont typeface="Wingdings" panose="05000000000000000000" pitchFamily="2" charset="2"/>
+              <a:buChar char="ü"/>
+            </a:pPr>
+            <a:r>
+              <a:rPr lang="en-US" sz="2400" dirty="0"/>
+              <a:t>Leveraging the Office UI Fabric React Library</a:t>
+            </a:r>
+          </a:p>
+          <a:p>
+            <a:pPr lvl="0">
+              <a:buFont typeface="Wingdings" panose="05000000000000000000" pitchFamily="2" charset="2"/>
+              <a:buChar char="ü"/>
+            </a:pPr>
+            <a:r>
+              <a:rPr lang="en-US" sz="2400" dirty="0"/>
+              <a:t>Developing Web Parts using the SharePoint REST API</a:t>
+            </a:r>
+          </a:p>
+          <a:p>
+            <a:pPr lvl="0">
+              <a:buFont typeface="Wingdings" panose="05000000000000000000" pitchFamily="2" charset="2"/>
+              <a:buChar char="Ø"/>
+            </a:pPr>
+            <a:r>
+              <a:rPr lang="en-US" sz="2400" dirty="0"/>
+              <a:t>Designing Web Parts to Manage SharePoint Lists</a:t>
+            </a:r>
+          </a:p>
+        </p:txBody>
+      </p:sp>
+    </p:spTree>
+    <p:extLst>
+      <p:ext uri="{BB962C8B-B14F-4D97-AF65-F5344CB8AC3E}">
+        <p14:creationId xmlns:p14="http://schemas.microsoft.com/office/powerpoint/2010/main" val="3531326532"/>
+      </p:ext>
+    </p:extLst>
+  </p:cSld>
+  <p:clrMapOvr>
+    <a:masterClrMapping/>
+  </p:clrMapOvr>
+</p:sld>
+</file>
+
 <file path=ppt/slides/slide3.xml><?xml version="1.0" encoding="utf-8"?>
+<p:sld xmlns:a="http://schemas.openxmlformats.org/drawingml/2006/main" xmlns:r="http://schemas.openxmlformats.org/officeDocument/2006/relationships" xmlns:p="http://schemas.openxmlformats.org/presentationml/2006/main">
+  <p:cSld>
+    <p:spTree>
+      <p:nvGrpSpPr>
+        <p:cNvPr id="1" name=""/>
+        <p:cNvGrpSpPr/>
+        <p:nvPr/>
+      </p:nvGrpSpPr>
+      <p:grpSpPr>
+        <a:xfrm>
+          <a:off x="0" y="0"/>
+          <a:ext cx="0" cy="0"/>
+          <a:chOff x="0" y="0"/>
+          <a:chExt cx="0" cy="0"/>
+        </a:xfrm>
+      </p:grpSpPr>
+      <p:sp>
+        <p:nvSpPr>
+          <p:cNvPr id="2" name="Title 1">
+            <a:extLst>
+              <a:ext uri="{FF2B5EF4-FFF2-40B4-BE49-F238E27FC236}">
+                <a16:creationId xmlns:a16="http://schemas.microsoft.com/office/drawing/2014/main" id="{B66BD39A-B2B0-4C7B-B04D-6D410EE6D44F}"/>
+              </a:ext>
+            </a:extLst>
+          </p:cNvPr>
+          <p:cNvSpPr>
+            <a:spLocks noGrp="1"/>
+          </p:cNvSpPr>
+          <p:nvPr>
+            <p:ph type="title"/>
+          </p:nvPr>
+        </p:nvSpPr>
+        <p:spPr/>
+        <p:txBody>
+          <a:bodyPr/>
+          <a:lstStyle/>
+          <a:p>
+            <a:endParaRPr lang="en-US"/>
+          </a:p>
+        </p:txBody>
+      </p:sp>
+      <p:pic>
+        <p:nvPicPr>
+          <p:cNvPr id="3" name="Picture 2">
+            <a:extLst>
+              <a:ext uri="{FF2B5EF4-FFF2-40B4-BE49-F238E27FC236}">
+                <a16:creationId xmlns:a16="http://schemas.microsoft.com/office/drawing/2014/main" id="{E4A5DB58-4205-4A3A-83B9-1FD1C8819EC9}"/>
+              </a:ext>
+            </a:extLst>
+          </p:cNvPr>
+          <p:cNvPicPr/>
+          <p:nvPr/>
+        </p:nvPicPr>
+        <p:blipFill>
+          <a:blip r:embed="rId2" cstate="print">
+            <a:extLst>
+              <a:ext uri="{28A0092B-C50C-407E-A947-70E740481C1C}">
+                <a14:useLocalDpi xmlns:a14="http://schemas.microsoft.com/office/drawing/2010/main" val="0"/>
+              </a:ext>
+            </a:extLst>
+          </a:blip>
+          <a:srcRect/>
+          <a:stretch>
+            <a:fillRect/>
+          </a:stretch>
+        </p:blipFill>
+        <p:spPr bwMode="auto">
+          <a:xfrm>
+            <a:off x="533400" y="1371600"/>
+            <a:ext cx="7880071" cy="2286000"/>
+          </a:xfrm>
+          <a:prstGeom prst="rect">
+            <a:avLst/>
+          </a:prstGeom>
+          <a:noFill/>
+          <a:ln>
+            <a:noFill/>
+          </a:ln>
+        </p:spPr>
+      </p:pic>
+    </p:spTree>
+    <p:extLst>
+      <p:ext uri="{BB962C8B-B14F-4D97-AF65-F5344CB8AC3E}">
+        <p14:creationId xmlns:p14="http://schemas.microsoft.com/office/powerpoint/2010/main" val="4273451313"/>
+      </p:ext>
+    </p:extLst>
+  </p:cSld>
+  <p:clrMapOvr>
+    <a:masterClrMapping/>
+  </p:clrMapOvr>
+</p:sld>
+</file>
+
+<file path=ppt/slides/slide4.xml><?xml version="1.0" encoding="utf-8"?>
+<p:sld xmlns:a="http://schemas.openxmlformats.org/drawingml/2006/main" xmlns:r="http://schemas.openxmlformats.org/officeDocument/2006/relationships" xmlns:p="http://schemas.openxmlformats.org/presentationml/2006/main">
+  <p:cSld>
+    <p:spTree>
+      <p:nvGrpSpPr>
+        <p:cNvPr id="1" name=""/>
+        <p:cNvGrpSpPr/>
+        <p:nvPr/>
+      </p:nvGrpSpPr>
+      <p:grpSpPr>
+        <a:xfrm>
+          <a:off x="0" y="0"/>
+          <a:ext cx="0" cy="0"/>
+          <a:chOff x="0" y="0"/>
+          <a:chExt cx="0" cy="0"/>
+        </a:xfrm>
+      </p:grpSpPr>
+      <p:sp>
+        <p:nvSpPr>
+          <p:cNvPr id="2" name="Title 1"/>
+          <p:cNvSpPr>
+            <a:spLocks noGrp="1"/>
+          </p:cNvSpPr>
+          <p:nvPr>
+            <p:ph type="title"/>
+          </p:nvPr>
+        </p:nvSpPr>
+        <p:spPr/>
+        <p:txBody>
+          <a:bodyPr/>
+          <a:lstStyle/>
+          <a:p>
+            <a:r>
+              <a:rPr lang="en-US"/>
+              <a:t>Agenda</a:t>
+            </a:r>
+            <a:endParaRPr lang="en-US" dirty="0"/>
+          </a:p>
+        </p:txBody>
+      </p:sp>
+      <p:sp>
+        <p:nvSpPr>
+          <p:cNvPr id="3" name="Content Placeholder 2"/>
+          <p:cNvSpPr>
+            <a:spLocks noGrp="1"/>
+          </p:cNvSpPr>
+          <p:nvPr>
+            <p:ph idx="1"/>
+          </p:nvPr>
+        </p:nvSpPr>
+        <p:spPr/>
+        <p:txBody>
+          <a:bodyPr>
+            <a:noAutofit/>
+          </a:bodyPr>
+          <a:lstStyle/>
+          <a:p>
+            <a:pPr lvl="0">
+              <a:buFont typeface="Wingdings" panose="05000000000000000000" pitchFamily="2" charset="2"/>
+              <a:buChar char="ü"/>
+            </a:pPr>
+            <a:r>
+              <a:rPr lang="en-US" sz="2400" dirty="0"/>
+              <a:t>Designing and Developing React Web Parts</a:t>
+            </a:r>
+          </a:p>
+          <a:p>
+            <a:pPr lvl="0">
+              <a:buFont typeface="Wingdings" panose="05000000000000000000" pitchFamily="2" charset="2"/>
+              <a:buChar char="Ø"/>
+            </a:pPr>
+            <a:r>
+              <a:rPr lang="en-US" sz="2400" dirty="0"/>
+              <a:t>Web Part Properties versus React Component State</a:t>
+            </a:r>
+          </a:p>
+          <a:p>
+            <a:pPr lvl="0"/>
+            <a:r>
+              <a:rPr lang="en-US" sz="2400" dirty="0"/>
+              <a:t>Leveraging the Office UI Fabric React Library</a:t>
+            </a:r>
+          </a:p>
+          <a:p>
+            <a:pPr lvl="0"/>
+            <a:r>
+              <a:rPr lang="en-US" sz="2400" dirty="0"/>
+              <a:t>Developing Web Parts using the SharePoint REST API</a:t>
+            </a:r>
+          </a:p>
+          <a:p>
+            <a:pPr lvl="0"/>
+            <a:r>
+              <a:rPr lang="en-US" sz="2400" dirty="0"/>
+              <a:t>Designing Web Parts to Manage SharePoint Lists</a:t>
+            </a:r>
+          </a:p>
+        </p:txBody>
+      </p:sp>
+    </p:spTree>
+    <p:extLst>
+      <p:ext uri="{BB962C8B-B14F-4D97-AF65-F5344CB8AC3E}">
+        <p14:creationId xmlns:p14="http://schemas.microsoft.com/office/powerpoint/2010/main" val="2314159271"/>
+      </p:ext>
+    </p:extLst>
+  </p:cSld>
+  <p:clrMapOvr>
+    <a:masterClrMapping/>
+  </p:clrMapOvr>
+</p:sld>
+</file>
+
+<file path=ppt/slides/slide5.xml><?xml version="1.0" encoding="utf-8"?>
+<p:sld xmlns:a="http://schemas.openxmlformats.org/drawingml/2006/main" xmlns:r="http://schemas.openxmlformats.org/officeDocument/2006/relationships" xmlns:p="http://schemas.openxmlformats.org/presentationml/2006/main">
+  <p:cSld>
+    <p:spTree>
+      <p:nvGrpSpPr>
+        <p:cNvPr id="1" name=""/>
+        <p:cNvGrpSpPr/>
+        <p:nvPr/>
+      </p:nvGrpSpPr>
+      <p:grpSpPr>
+        <a:xfrm>
+          <a:off x="0" y="0"/>
+          <a:ext cx="0" cy="0"/>
+          <a:chOff x="0" y="0"/>
+          <a:chExt cx="0" cy="0"/>
+        </a:xfrm>
+      </p:grpSpPr>
+      <p:sp>
+        <p:nvSpPr>
+          <p:cNvPr id="2" name="Title 1"/>
+          <p:cNvSpPr>
+            <a:spLocks noGrp="1"/>
+          </p:cNvSpPr>
+          <p:nvPr>
+            <p:ph type="title"/>
+          </p:nvPr>
+        </p:nvSpPr>
+        <p:spPr/>
+        <p:txBody>
+          <a:bodyPr/>
+          <a:lstStyle/>
+          <a:p>
+            <a:r>
+              <a:rPr lang="en-US"/>
+              <a:t>Agenda</a:t>
+            </a:r>
+            <a:endParaRPr lang="en-US" dirty="0"/>
+          </a:p>
+        </p:txBody>
+      </p:sp>
+      <p:sp>
+        <p:nvSpPr>
+          <p:cNvPr id="3" name="Content Placeholder 2"/>
+          <p:cNvSpPr>
+            <a:spLocks noGrp="1"/>
+          </p:cNvSpPr>
+          <p:nvPr>
+            <p:ph idx="1"/>
+          </p:nvPr>
+        </p:nvSpPr>
+        <p:spPr/>
+        <p:txBody>
+          <a:bodyPr>
+            <a:noAutofit/>
+          </a:bodyPr>
+          <a:lstStyle/>
+          <a:p>
+            <a:pPr lvl="0">
+              <a:buFont typeface="Wingdings" panose="05000000000000000000" pitchFamily="2" charset="2"/>
+              <a:buChar char="ü"/>
+            </a:pPr>
+            <a:r>
+              <a:rPr lang="en-US" sz="2400" dirty="0"/>
+              <a:t>Designing and Developing React Web Parts</a:t>
+            </a:r>
+          </a:p>
+          <a:p>
+            <a:pPr lvl="0">
+              <a:buFont typeface="Wingdings" panose="05000000000000000000" pitchFamily="2" charset="2"/>
+              <a:buChar char="ü"/>
+            </a:pPr>
+            <a:r>
+              <a:rPr lang="en-US" sz="2400" dirty="0"/>
+              <a:t>Web Part Properties versus React Component State</a:t>
+            </a:r>
+          </a:p>
+          <a:p>
+            <a:pPr lvl="0">
+              <a:buFont typeface="Wingdings" panose="05000000000000000000" pitchFamily="2" charset="2"/>
+              <a:buChar char="Ø"/>
+            </a:pPr>
+            <a:r>
+              <a:rPr lang="en-US" sz="2400" dirty="0"/>
+              <a:t>Leveraging the Office UI Fabric React Library</a:t>
+            </a:r>
+          </a:p>
+          <a:p>
+            <a:pPr lvl="0"/>
+            <a:r>
+              <a:rPr lang="en-US" sz="2400" dirty="0"/>
+              <a:t>Developing Web Parts using the SharePoint REST API</a:t>
+            </a:r>
+          </a:p>
+          <a:p>
+            <a:pPr lvl="0"/>
+            <a:r>
+              <a:rPr lang="en-US" sz="2400" dirty="0"/>
+              <a:t>Designing Web Parts to Manage SharePoint Lists</a:t>
+            </a:r>
+          </a:p>
+        </p:txBody>
+      </p:sp>
+    </p:spTree>
+    <p:extLst>
+      <p:ext uri="{BB962C8B-B14F-4D97-AF65-F5344CB8AC3E}">
+        <p14:creationId xmlns:p14="http://schemas.microsoft.com/office/powerpoint/2010/main" val="1867290879"/>
+      </p:ext>
+    </p:extLst>
+  </p:cSld>
+  <p:clrMapOvr>
+    <a:masterClrMapping/>
+  </p:clrMapOvr>
+</p:sld>
+</file>
+
+<file path=ppt/slides/slide6.xml><?xml version="1.0" encoding="utf-8"?>
+<p:sld xmlns:a="http://schemas.openxmlformats.org/drawingml/2006/main" xmlns:r="http://schemas.openxmlformats.org/officeDocument/2006/relationships" xmlns:p="http://schemas.openxmlformats.org/presentationml/2006/main">
+  <p:cSld>
+    <p:spTree>
+      <p:nvGrpSpPr>
+        <p:cNvPr id="1" name=""/>
+        <p:cNvGrpSpPr/>
+        <p:nvPr/>
+      </p:nvGrpSpPr>
+      <p:grpSpPr>
+        <a:xfrm>
+          <a:off x="0" y="0"/>
+          <a:ext cx="0" cy="0"/>
+          <a:chOff x="0" y="0"/>
+          <a:chExt cx="0" cy="0"/>
+        </a:xfrm>
+      </p:grpSpPr>
+      <p:sp>
+        <p:nvSpPr>
+          <p:cNvPr id="2" name="Title 1"/>
+          <p:cNvSpPr>
+            <a:spLocks noGrp="1"/>
+          </p:cNvSpPr>
+          <p:nvPr>
+            <p:ph type="title"/>
+          </p:nvPr>
+        </p:nvSpPr>
+        <p:spPr/>
+        <p:txBody>
+          <a:bodyPr/>
+          <a:lstStyle/>
+          <a:p>
+            <a:r>
+              <a:rPr lang="en-US" dirty="0"/>
+              <a:t>Summary</a:t>
+            </a:r>
+          </a:p>
+        </p:txBody>
+      </p:sp>
+      <p:sp>
+        <p:nvSpPr>
+          <p:cNvPr id="3" name="Content Placeholder 2"/>
+          <p:cNvSpPr>
+            <a:spLocks noGrp="1"/>
+          </p:cNvSpPr>
+          <p:nvPr>
+            <p:ph idx="1"/>
+          </p:nvPr>
+        </p:nvSpPr>
+        <p:spPr/>
+        <p:txBody>
+          <a:bodyPr>
+            <a:noAutofit/>
+          </a:bodyPr>
+          <a:lstStyle/>
+          <a:p>
+            <a:pPr lvl="0">
+              <a:buFont typeface="Wingdings" panose="05000000000000000000" pitchFamily="2" charset="2"/>
+              <a:buChar char="ü"/>
+            </a:pPr>
+            <a:r>
+              <a:rPr lang="en-US" sz="2400" dirty="0"/>
+              <a:t>Designing and Developing React Web Parts</a:t>
+            </a:r>
+          </a:p>
+          <a:p>
+            <a:pPr lvl="0">
+              <a:buFont typeface="Wingdings" panose="05000000000000000000" pitchFamily="2" charset="2"/>
+              <a:buChar char="ü"/>
+            </a:pPr>
+            <a:r>
+              <a:rPr lang="en-US" sz="2400" dirty="0"/>
+              <a:t>Web Part Properties versus React Component State</a:t>
+            </a:r>
+          </a:p>
+          <a:p>
+            <a:pPr lvl="0">
+              <a:buFont typeface="Wingdings" panose="05000000000000000000" pitchFamily="2" charset="2"/>
+              <a:buChar char="ü"/>
+            </a:pPr>
+            <a:r>
+              <a:rPr lang="en-US" sz="2400" dirty="0"/>
+              <a:t>Leveraging the Office UI Fabric React Library</a:t>
+            </a:r>
+          </a:p>
+          <a:p>
+            <a:pPr lvl="0">
+              <a:buFont typeface="Wingdings" panose="05000000000000000000" pitchFamily="2" charset="2"/>
+              <a:buChar char="ü"/>
+            </a:pPr>
+            <a:r>
+              <a:rPr lang="en-US" sz="2400" dirty="0"/>
+              <a:t>Developing Web Parts using the SharePoint REST API</a:t>
+            </a:r>
+          </a:p>
+          <a:p>
+            <a:pPr lvl="0">
+              <a:buFont typeface="Wingdings" panose="05000000000000000000" pitchFamily="2" charset="2"/>
+              <a:buChar char="ü"/>
+            </a:pPr>
+            <a:r>
+              <a:rPr lang="en-US" sz="2400" dirty="0"/>
+              <a:t>Designing Web Parts to Manage SharePoint Lists</a:t>
+            </a:r>
+          </a:p>
+        </p:txBody>
+      </p:sp>
+    </p:spTree>
+    <p:extLst>
+      <p:ext uri="{BB962C8B-B14F-4D97-AF65-F5344CB8AC3E}">
+        <p14:creationId xmlns:p14="http://schemas.microsoft.com/office/powerpoint/2010/main" val="922403839"/>
+      </p:ext>
+    </p:extLst>
+  </p:cSld>
+  <p:clrMapOvr>
+    <a:masterClrMapping/>
+  </p:clrMapOvr>
+</p:sld>
+</file>
+
+<file path=ppt/slides/slide7.xml><?xml version="1.0" encoding="utf-8"?>
 <p:sld xmlns:a="http://schemas.openxmlformats.org/drawingml/2006/main" xmlns:r="http://schemas.openxmlformats.org/officeDocument/2006/relationships" xmlns:p="http://schemas.openxmlformats.org/presentationml/2006/main">
   <p:cSld>
     <p:spTree>
@@ -9126,7 +9248,7 @@
 </p:sld>
 </file>
 
-<file path=ppt/slides/slide4.xml><?xml version="1.0" encoding="utf-8"?>
+<file path=ppt/slides/slide8.xml><?xml version="1.0" encoding="utf-8"?>
 <p:sld xmlns:a="http://schemas.openxmlformats.org/drawingml/2006/main" xmlns:r="http://schemas.openxmlformats.org/officeDocument/2006/relationships" xmlns:p="http://schemas.openxmlformats.org/presentationml/2006/main">
   <p:cSld>
     <p:spTree>
@@ -9698,589 +9820,6 @@
 </p:sld>
 </file>
 
-<file path=ppt/slides/slide5.xml><?xml version="1.0" encoding="utf-8"?>
-<p:sld xmlns:a="http://schemas.openxmlformats.org/drawingml/2006/main" xmlns:r="http://schemas.openxmlformats.org/officeDocument/2006/relationships" xmlns:p="http://schemas.openxmlformats.org/presentationml/2006/main">
-  <p:cSld>
-    <p:spTree>
-      <p:nvGrpSpPr>
-        <p:cNvPr id="1" name=""/>
-        <p:cNvGrpSpPr/>
-        <p:nvPr/>
-      </p:nvGrpSpPr>
-      <p:grpSpPr>
-        <a:xfrm>
-          <a:off x="0" y="0"/>
-          <a:ext cx="0" cy="0"/>
-          <a:chOff x="0" y="0"/>
-          <a:chExt cx="0" cy="0"/>
-        </a:xfrm>
-      </p:grpSpPr>
-      <p:sp>
-        <p:nvSpPr>
-          <p:cNvPr id="2" name="Title 1"/>
-          <p:cNvSpPr>
-            <a:spLocks noGrp="1"/>
-          </p:cNvSpPr>
-          <p:nvPr>
-            <p:ph type="title"/>
-          </p:nvPr>
-        </p:nvSpPr>
-        <p:spPr/>
-        <p:txBody>
-          <a:bodyPr/>
-          <a:lstStyle/>
-          <a:p>
-            <a:r>
-              <a:rPr lang="en-US"/>
-              <a:t>Styles</a:t>
-            </a:r>
-            <a:endParaRPr lang="en-US" dirty="0"/>
-          </a:p>
-        </p:txBody>
-      </p:sp>
-      <p:sp>
-        <p:nvSpPr>
-          <p:cNvPr id="3" name="Text Placeholder 2"/>
-          <p:cNvSpPr>
-            <a:spLocks noGrp="1"/>
-          </p:cNvSpPr>
-          <p:nvPr>
-            <p:ph idx="1"/>
-          </p:nvPr>
-        </p:nvSpPr>
-        <p:spPr>
-          <a:xfrm>
-            <a:off x="381000" y="1447800"/>
-            <a:ext cx="8382000" cy="5181600"/>
-          </a:xfrm>
-        </p:spPr>
-        <p:txBody>
-          <a:bodyPr/>
-          <a:lstStyle/>
-          <a:p>
-            <a:r>
-              <a:rPr lang="en-US" dirty="0"/>
-              <a:t>The Office UI Fabric provides styles for..</a:t>
-            </a:r>
-          </a:p>
-          <a:p>
-            <a:pPr lvl="1"/>
-            <a:r>
-              <a:rPr lang="en-US" dirty="0"/>
-              <a:t>Typography</a:t>
-            </a:r>
-          </a:p>
-          <a:p>
-            <a:pPr lvl="1"/>
-            <a:r>
-              <a:rPr lang="en-US" dirty="0"/>
-              <a:t>Color</a:t>
-            </a:r>
-          </a:p>
-          <a:p>
-            <a:pPr lvl="1"/>
-            <a:r>
-              <a:rPr lang="en-US" dirty="0"/>
-              <a:t>Icons</a:t>
-            </a:r>
-          </a:p>
-          <a:p>
-            <a:pPr lvl="1"/>
-            <a:r>
-              <a:rPr lang="en-US" dirty="0"/>
-              <a:t>Animations</a:t>
-            </a:r>
-          </a:p>
-          <a:p>
-            <a:pPr lvl="1"/>
-            <a:r>
-              <a:rPr lang="en-US" dirty="0"/>
-              <a:t>Responsive Grid</a:t>
-            </a:r>
-          </a:p>
-          <a:p>
-            <a:pPr lvl="1"/>
-            <a:r>
-              <a:rPr lang="en-US" dirty="0"/>
-              <a:t>Localization</a:t>
-            </a:r>
-          </a:p>
-          <a:p>
-            <a:endParaRPr lang="en-US" dirty="0"/>
-          </a:p>
-        </p:txBody>
-      </p:sp>
-    </p:spTree>
-    <p:extLst>
-      <p:ext uri="{BB962C8B-B14F-4D97-AF65-F5344CB8AC3E}">
-        <p14:creationId xmlns:p14="http://schemas.microsoft.com/office/powerpoint/2010/main" val="1346660440"/>
-      </p:ext>
-    </p:extLst>
-  </p:cSld>
-  <p:clrMapOvr>
-    <a:masterClrMapping/>
-  </p:clrMapOvr>
-  <mc:AlternateContent xmlns:mc="http://schemas.openxmlformats.org/markup-compatibility/2006" xmlns:p14="http://schemas.microsoft.com/office/powerpoint/2010/main">
-    <mc:Choice Requires="p14">
-      <p:transition spd="med" p14:dur="700">
-        <p:fade/>
-      </p:transition>
-    </mc:Choice>
-    <mc:Fallback xmlns="">
-      <p:transition spd="med">
-        <p:fade/>
-      </p:transition>
-    </mc:Fallback>
-  </mc:AlternateContent>
-</p:sld>
-</file>
-
-<file path=ppt/slides/slide6.xml><?xml version="1.0" encoding="utf-8"?>
-<p:sld xmlns:a="http://schemas.openxmlformats.org/drawingml/2006/main" xmlns:r="http://schemas.openxmlformats.org/officeDocument/2006/relationships" xmlns:p="http://schemas.openxmlformats.org/presentationml/2006/main">
-  <p:cSld>
-    <p:spTree>
-      <p:nvGrpSpPr>
-        <p:cNvPr id="1" name=""/>
-        <p:cNvGrpSpPr/>
-        <p:nvPr/>
-      </p:nvGrpSpPr>
-      <p:grpSpPr>
-        <a:xfrm>
-          <a:off x="0" y="0"/>
-          <a:ext cx="0" cy="0"/>
-          <a:chOff x="0" y="0"/>
-          <a:chExt cx="0" cy="0"/>
-        </a:xfrm>
-      </p:grpSpPr>
-      <p:sp>
-        <p:nvSpPr>
-          <p:cNvPr id="2" name="Title 1"/>
-          <p:cNvSpPr>
-            <a:spLocks noGrp="1"/>
-          </p:cNvSpPr>
-          <p:nvPr>
-            <p:ph type="title"/>
-          </p:nvPr>
-        </p:nvSpPr>
-        <p:spPr/>
-        <p:txBody>
-          <a:bodyPr/>
-          <a:lstStyle/>
-          <a:p>
-            <a:r>
-              <a:rPr lang="en-US"/>
-              <a:t>Typography</a:t>
-            </a:r>
-            <a:endParaRPr lang="en-US" dirty="0"/>
-          </a:p>
-        </p:txBody>
-      </p:sp>
-      <p:sp>
-        <p:nvSpPr>
-          <p:cNvPr id="3" name="Text Placeholder 2"/>
-          <p:cNvSpPr>
-            <a:spLocks noGrp="1"/>
-          </p:cNvSpPr>
-          <p:nvPr>
-            <p:ph idx="1"/>
-          </p:nvPr>
-        </p:nvSpPr>
-        <p:spPr/>
-        <p:txBody>
-          <a:bodyPr/>
-          <a:lstStyle/>
-          <a:p>
-            <a:r>
-              <a:rPr lang="en-US" dirty="0"/>
-              <a:t>Base font classes</a:t>
-            </a:r>
-          </a:p>
-          <a:p>
-            <a:pPr lvl="1"/>
-            <a:r>
-              <a:rPr lang="en-US" dirty="0"/>
-              <a:t>Fabric includes 10 base font classes</a:t>
-            </a:r>
-          </a:p>
-          <a:p>
-            <a:pPr lvl="1"/>
-            <a:r>
-              <a:rPr lang="en-US" dirty="0"/>
-              <a:t>Each base class sets a default size, weight, and color.</a:t>
-            </a:r>
-          </a:p>
-        </p:txBody>
-      </p:sp>
-      <p:pic>
-        <p:nvPicPr>
-          <p:cNvPr id="5" name="Picture 4"/>
-          <p:cNvPicPr>
-            <a:picLocks noChangeAspect="1"/>
-          </p:cNvPicPr>
-          <p:nvPr/>
-        </p:nvPicPr>
-        <p:blipFill>
-          <a:blip r:embed="rId2"/>
-          <a:stretch>
-            <a:fillRect/>
-          </a:stretch>
-        </p:blipFill>
-        <p:spPr>
-          <a:xfrm>
-            <a:off x="681464" y="3200400"/>
-            <a:ext cx="8081536" cy="2899355"/>
-          </a:xfrm>
-          <a:prstGeom prst="rect">
-            <a:avLst/>
-          </a:prstGeom>
-          <a:ln>
-            <a:solidFill>
-              <a:schemeClr val="tx1">
-                <a:lumMod val="50000"/>
-                <a:lumOff val="50000"/>
-              </a:schemeClr>
-            </a:solidFill>
-          </a:ln>
-        </p:spPr>
-      </p:pic>
-    </p:spTree>
-    <p:extLst>
-      <p:ext uri="{BB962C8B-B14F-4D97-AF65-F5344CB8AC3E}">
-        <p14:creationId xmlns:p14="http://schemas.microsoft.com/office/powerpoint/2010/main" val="1139475670"/>
-      </p:ext>
-    </p:extLst>
-  </p:cSld>
-  <p:clrMapOvr>
-    <a:masterClrMapping/>
-  </p:clrMapOvr>
-  <mc:AlternateContent xmlns:mc="http://schemas.openxmlformats.org/markup-compatibility/2006" xmlns:p14="http://schemas.microsoft.com/office/powerpoint/2010/main">
-    <mc:Choice Requires="p14">
-      <p:transition spd="med" p14:dur="700">
-        <p:fade/>
-      </p:transition>
-    </mc:Choice>
-    <mc:Fallback xmlns="">
-      <p:transition spd="med">
-        <p:fade/>
-      </p:transition>
-    </mc:Fallback>
-  </mc:AlternateContent>
-</p:sld>
-</file>
-
-<file path=ppt/slides/slide7.xml><?xml version="1.0" encoding="utf-8"?>
-<p:sld xmlns:a="http://schemas.openxmlformats.org/drawingml/2006/main" xmlns:r="http://schemas.openxmlformats.org/officeDocument/2006/relationships" xmlns:p="http://schemas.openxmlformats.org/presentationml/2006/main">
-  <p:cSld>
-    <p:spTree>
-      <p:nvGrpSpPr>
-        <p:cNvPr id="1" name=""/>
-        <p:cNvGrpSpPr/>
-        <p:nvPr/>
-      </p:nvGrpSpPr>
-      <p:grpSpPr>
-        <a:xfrm>
-          <a:off x="0" y="0"/>
-          <a:ext cx="0" cy="0"/>
-          <a:chOff x="0" y="0"/>
-          <a:chExt cx="0" cy="0"/>
-        </a:xfrm>
-      </p:grpSpPr>
-      <p:sp>
-        <p:nvSpPr>
-          <p:cNvPr id="2" name="Title 1"/>
-          <p:cNvSpPr>
-            <a:spLocks noGrp="1"/>
-          </p:cNvSpPr>
-          <p:nvPr>
-            <p:ph type="title"/>
-          </p:nvPr>
-        </p:nvSpPr>
-        <p:spPr/>
-        <p:txBody>
-          <a:bodyPr/>
-          <a:lstStyle/>
-          <a:p>
-            <a:r>
-              <a:rPr lang="en-US"/>
-              <a:t>Typography</a:t>
-            </a:r>
-            <a:endParaRPr lang="en-US" dirty="0"/>
-          </a:p>
-        </p:txBody>
-      </p:sp>
-      <p:sp>
-        <p:nvSpPr>
-          <p:cNvPr id="3" name="Text Placeholder 2"/>
-          <p:cNvSpPr>
-            <a:spLocks noGrp="1"/>
-          </p:cNvSpPr>
-          <p:nvPr>
-            <p:ph idx="1"/>
-          </p:nvPr>
-        </p:nvSpPr>
-        <p:spPr/>
-        <p:txBody>
-          <a:bodyPr/>
-          <a:lstStyle/>
-          <a:p>
-            <a:r>
-              <a:rPr lang="en-US" dirty="0"/>
-              <a:t>Helper font classes</a:t>
-            </a:r>
-          </a:p>
-          <a:p>
-            <a:pPr lvl="1"/>
-            <a:r>
-              <a:rPr lang="en-US" dirty="0"/>
-              <a:t>There are helper font classes to change the text weight.</a:t>
-            </a:r>
-          </a:p>
-        </p:txBody>
-      </p:sp>
-      <p:pic>
-        <p:nvPicPr>
-          <p:cNvPr id="5" name="Picture 4"/>
-          <p:cNvPicPr>
-            <a:picLocks noChangeAspect="1"/>
-          </p:cNvPicPr>
-          <p:nvPr/>
-        </p:nvPicPr>
-        <p:blipFill>
-          <a:blip r:embed="rId2"/>
-          <a:stretch>
-            <a:fillRect/>
-          </a:stretch>
-        </p:blipFill>
-        <p:spPr>
-          <a:xfrm>
-            <a:off x="914400" y="2590800"/>
-            <a:ext cx="5562600" cy="3829807"/>
-          </a:xfrm>
-          <a:prstGeom prst="rect">
-            <a:avLst/>
-          </a:prstGeom>
-          <a:ln>
-            <a:solidFill>
-              <a:schemeClr val="tx1">
-                <a:lumMod val="50000"/>
-                <a:lumOff val="50000"/>
-              </a:schemeClr>
-            </a:solidFill>
-          </a:ln>
-        </p:spPr>
-      </p:pic>
-    </p:spTree>
-    <p:extLst>
-      <p:ext uri="{BB962C8B-B14F-4D97-AF65-F5344CB8AC3E}">
-        <p14:creationId xmlns:p14="http://schemas.microsoft.com/office/powerpoint/2010/main" val="2760968447"/>
-      </p:ext>
-    </p:extLst>
-  </p:cSld>
-  <p:clrMapOvr>
-    <a:masterClrMapping/>
-  </p:clrMapOvr>
-  <mc:AlternateContent xmlns:mc="http://schemas.openxmlformats.org/markup-compatibility/2006" xmlns:p14="http://schemas.microsoft.com/office/powerpoint/2010/main">
-    <mc:Choice Requires="p14">
-      <p:transition spd="med" p14:dur="700">
-        <p:fade/>
-      </p:transition>
-    </mc:Choice>
-    <mc:Fallback xmlns="">
-      <p:transition spd="med">
-        <p:fade/>
-      </p:transition>
-    </mc:Fallback>
-  </mc:AlternateContent>
-</p:sld>
-</file>
-
-<file path=ppt/slides/slide8.xml><?xml version="1.0" encoding="utf-8"?>
-<p:sld xmlns:a="http://schemas.openxmlformats.org/drawingml/2006/main" xmlns:r="http://schemas.openxmlformats.org/officeDocument/2006/relationships" xmlns:p="http://schemas.openxmlformats.org/presentationml/2006/main">
-  <p:cSld>
-    <p:spTree>
-      <p:nvGrpSpPr>
-        <p:cNvPr id="1" name=""/>
-        <p:cNvGrpSpPr/>
-        <p:nvPr/>
-      </p:nvGrpSpPr>
-      <p:grpSpPr>
-        <a:xfrm>
-          <a:off x="0" y="0"/>
-          <a:ext cx="0" cy="0"/>
-          <a:chOff x="0" y="0"/>
-          <a:chExt cx="0" cy="0"/>
-        </a:xfrm>
-      </p:grpSpPr>
-      <p:sp>
-        <p:nvSpPr>
-          <p:cNvPr id="2" name="Title 1"/>
-          <p:cNvSpPr>
-            <a:spLocks noGrp="1"/>
-          </p:cNvSpPr>
-          <p:nvPr>
-            <p:ph type="title"/>
-          </p:nvPr>
-        </p:nvSpPr>
-        <p:spPr/>
-        <p:txBody>
-          <a:bodyPr/>
-          <a:lstStyle/>
-          <a:p>
-            <a:r>
-              <a:rPr lang="en-US"/>
-              <a:t>Color</a:t>
-            </a:r>
-            <a:endParaRPr lang="en-US" dirty="0"/>
-          </a:p>
-        </p:txBody>
-      </p:sp>
-      <p:sp>
-        <p:nvSpPr>
-          <p:cNvPr id="3" name="Text Placeholder 2"/>
-          <p:cNvSpPr>
-            <a:spLocks noGrp="1"/>
-          </p:cNvSpPr>
-          <p:nvPr>
-            <p:ph idx="1"/>
-          </p:nvPr>
-        </p:nvSpPr>
-        <p:spPr/>
-        <p:txBody>
-          <a:bodyPr>
-            <a:normAutofit/>
-          </a:bodyPr>
-          <a:lstStyle/>
-          <a:p>
-            <a:r>
-              <a:rPr lang="en-US" sz="2400" dirty="0"/>
-              <a:t>Includes 9 theme colors and 11 neutral colors. </a:t>
-            </a:r>
-          </a:p>
-          <a:p>
-            <a:pPr lvl="1"/>
-            <a:r>
-              <a:rPr lang="en-US" sz="2000" dirty="0"/>
-              <a:t>Helper classes for text, border, background, and hover states. </a:t>
-            </a:r>
-          </a:p>
-          <a:p>
-            <a:pPr lvl="1"/>
-            <a:r>
-              <a:rPr lang="en-US" sz="2000" dirty="0"/>
-              <a:t>Color classes act as hooks into the Office 365 theming system</a:t>
-            </a:r>
-          </a:p>
-        </p:txBody>
-      </p:sp>
-      <p:pic>
-        <p:nvPicPr>
-          <p:cNvPr id="1026" name="Picture 2" descr="C:\Users\vesaj\AppData\Local\Temp\SNAGHTML1543d9f.PNG"/>
-          <p:cNvPicPr>
-            <a:picLocks noChangeAspect="1" noChangeArrowheads="1"/>
-          </p:cNvPicPr>
-          <p:nvPr/>
-        </p:nvPicPr>
-        <p:blipFill rotWithShape="1">
-          <a:blip r:embed="rId2">
-            <a:extLst>
-              <a:ext uri="{28A0092B-C50C-407E-A947-70E740481C1C}">
-                <a14:useLocalDpi xmlns:a14="http://schemas.microsoft.com/office/drawing/2010/main" val="0"/>
-              </a:ext>
-            </a:extLst>
-          </a:blip>
-          <a:srcRect b="51008"/>
-          <a:stretch/>
-        </p:blipFill>
-        <p:spPr bwMode="auto">
-          <a:xfrm>
-            <a:off x="193963" y="2775674"/>
-            <a:ext cx="4516375" cy="3053472"/>
-          </a:xfrm>
-          <a:prstGeom prst="rect">
-            <a:avLst/>
-          </a:prstGeom>
-          <a:noFill/>
-          <a:extLst>
-            <a:ext uri="{909E8E84-426E-40DD-AFC4-6F175D3DCCD1}">
-              <a14:hiddenFill xmlns:a14="http://schemas.microsoft.com/office/drawing/2010/main">
-                <a:solidFill>
-                  <a:srgbClr val="FFFFFF"/>
-                </a:solidFill>
-              </a14:hiddenFill>
-            </a:ext>
-          </a:extLst>
-        </p:spPr>
-      </p:pic>
-      <p:pic>
-        <p:nvPicPr>
-          <p:cNvPr id="5" name="Picture 2" descr="C:\Users\vesaj\AppData\Local\Temp\SNAGHTML1543d9f.PNG">
-            <a:extLst>
-              <a:ext uri="{FF2B5EF4-FFF2-40B4-BE49-F238E27FC236}">
-                <a16:creationId xmlns:a16="http://schemas.microsoft.com/office/drawing/2014/main" id="{B5DC384F-340D-482F-A70E-B37173BEBCB0}"/>
-              </a:ext>
-            </a:extLst>
-          </p:cNvPr>
-          <p:cNvPicPr>
-            <a:picLocks noChangeAspect="1" noChangeArrowheads="1"/>
-          </p:cNvPicPr>
-          <p:nvPr/>
-        </p:nvPicPr>
-        <p:blipFill rotWithShape="1">
-          <a:blip r:embed="rId2">
-            <a:extLst>
-              <a:ext uri="{28A0092B-C50C-407E-A947-70E740481C1C}">
-                <a14:useLocalDpi xmlns:a14="http://schemas.microsoft.com/office/drawing/2010/main" val="0"/>
-              </a:ext>
-            </a:extLst>
-          </a:blip>
-          <a:srcRect t="50117"/>
-          <a:stretch/>
-        </p:blipFill>
-        <p:spPr bwMode="auto">
-          <a:xfrm>
-            <a:off x="4897375" y="2895600"/>
-            <a:ext cx="4087298" cy="2813621"/>
-          </a:xfrm>
-          <a:prstGeom prst="rect">
-            <a:avLst/>
-          </a:prstGeom>
-          <a:noFill/>
-          <a:extLst>
-            <a:ext uri="{909E8E84-426E-40DD-AFC4-6F175D3DCCD1}">
-              <a14:hiddenFill xmlns:a14="http://schemas.microsoft.com/office/drawing/2010/main">
-                <a:solidFill>
-                  <a:srgbClr val="FFFFFF"/>
-                </a:solidFill>
-              </a14:hiddenFill>
-            </a:ext>
-          </a:extLst>
-        </p:spPr>
-      </p:pic>
-    </p:spTree>
-    <p:extLst>
-      <p:ext uri="{BB962C8B-B14F-4D97-AF65-F5344CB8AC3E}">
-        <p14:creationId xmlns:p14="http://schemas.microsoft.com/office/powerpoint/2010/main" val="30596465"/>
-      </p:ext>
-    </p:extLst>
-  </p:cSld>
-  <p:clrMapOvr>
-    <a:masterClrMapping/>
-  </p:clrMapOvr>
-  <mc:AlternateContent xmlns:mc="http://schemas.openxmlformats.org/markup-compatibility/2006" xmlns:p14="http://schemas.microsoft.com/office/powerpoint/2010/main">
-    <mc:Choice Requires="p14">
-      <p:transition spd="med" p14:dur="700">
-        <p:fade/>
-      </p:transition>
-    </mc:Choice>
-    <mc:Fallback xmlns="">
-      <p:transition spd="med">
-        <p:fade/>
-      </p:transition>
-    </mc:Fallback>
-  </mc:AlternateContent>
-</p:sld>
-</file>
-
 <file path=ppt/slides/slide9.xml><?xml version="1.0" encoding="utf-8"?>
 <p:sld xmlns:a="http://schemas.openxmlformats.org/drawingml/2006/main" xmlns:r="http://schemas.openxmlformats.org/officeDocument/2006/relationships" xmlns:p="http://schemas.openxmlformats.org/presentationml/2006/main">
   <p:cSld>
@@ -10315,7 +9854,7 @@
           <a:p>
             <a:r>
               <a:rPr lang="en-US"/>
-              <a:t>Icons</a:t>
+              <a:t>Styles</a:t>
             </a:r>
             <a:endParaRPr lang="en-US" dirty="0"/>
           </a:p>
@@ -10331,53 +9870,72 @@
             <p:ph idx="1"/>
           </p:nvPr>
         </p:nvSpPr>
-        <p:spPr/>
+        <p:spPr>
+          <a:xfrm>
+            <a:off x="381000" y="1447800"/>
+            <a:ext cx="8382000" cy="5181600"/>
+          </a:xfrm>
+        </p:spPr>
         <p:txBody>
           <a:bodyPr/>
           <a:lstStyle/>
           <a:p>
             <a:r>
               <a:rPr lang="en-US" dirty="0"/>
-              <a:t>Fabric uses a custom font for its iconography. </a:t>
+              <a:t>The Office UI Fabric provides styles for..</a:t>
             </a:r>
           </a:p>
           <a:p>
             <a:pPr lvl="1"/>
             <a:r>
               <a:rPr lang="en-US" dirty="0"/>
-              <a:t>Font contains glyphs you can scale, color, and style</a:t>
-            </a:r>
+              <a:t>Typography</a:t>
+            </a:r>
+          </a:p>
+          <a:p>
+            <a:pPr lvl="1"/>
+            <a:r>
+              <a:rPr lang="en-US" dirty="0"/>
+              <a:t>Color</a:t>
+            </a:r>
+          </a:p>
+          <a:p>
+            <a:pPr lvl="1"/>
+            <a:r>
+              <a:rPr lang="en-US" dirty="0"/>
+              <a:t>Icons</a:t>
+            </a:r>
+          </a:p>
+          <a:p>
+            <a:pPr lvl="1"/>
+            <a:r>
+              <a:rPr lang="en-US" dirty="0"/>
+              <a:t>Animations</a:t>
+            </a:r>
+          </a:p>
+          <a:p>
+            <a:pPr lvl="1"/>
+            <a:r>
+              <a:rPr lang="en-US" dirty="0"/>
+              <a:t>Responsive Grid</a:t>
+            </a:r>
+          </a:p>
+          <a:p>
+            <a:pPr lvl="1"/>
+            <a:r>
+              <a:rPr lang="en-US" dirty="0"/>
+              <a:t>Localization</a:t>
+            </a:r>
+          </a:p>
+          <a:p>
+            <a:endParaRPr lang="en-US" dirty="0"/>
           </a:p>
         </p:txBody>
       </p:sp>
-      <p:pic>
-        <p:nvPicPr>
-          <p:cNvPr id="9" name="Picture 8"/>
-          <p:cNvPicPr>
-            <a:picLocks noChangeAspect="1"/>
-          </p:cNvPicPr>
-          <p:nvPr/>
-        </p:nvPicPr>
-        <p:blipFill>
-          <a:blip r:embed="rId2"/>
-          <a:stretch>
-            <a:fillRect/>
-          </a:stretch>
-        </p:blipFill>
-        <p:spPr>
-          <a:xfrm>
-            <a:off x="990600" y="2743200"/>
-            <a:ext cx="6934200" cy="2892885"/>
-          </a:xfrm>
-          <a:prstGeom prst="rect">
-            <a:avLst/>
-          </a:prstGeom>
-        </p:spPr>
-      </p:pic>
     </p:spTree>
     <p:extLst>
       <p:ext uri="{BB962C8B-B14F-4D97-AF65-F5344CB8AC3E}">
-        <p14:creationId xmlns:p14="http://schemas.microsoft.com/office/powerpoint/2010/main" val="2529059662"/>
+        <p14:creationId xmlns:p14="http://schemas.microsoft.com/office/powerpoint/2010/main" val="1346660440"/>
       </p:ext>
     </p:extLst>
   </p:cSld>
@@ -11229,6 +10787,12 @@
 </file>
 
 <file path=customXml/item1.xml><?xml version="1.0" encoding="utf-8"?>
+<p:properties xmlns:p="http://schemas.microsoft.com/office/2006/metadata/properties" xmlns:xsi="http://www.w3.org/2001/XMLSchema-instance">
+  <documentManagement/>
+</p:properties>
+</file>
+
+<file path=customXml/item2.xml><?xml version="1.0" encoding="utf-8"?>
 <ct:contentTypeSchema xmlns:ct="http://schemas.microsoft.com/office/2006/metadata/contentType" xmlns:ma="http://schemas.microsoft.com/office/2006/metadata/properties/metaAttributes" ct:_="" ma:_="" ma:contentTypeName="Document" ma:contentTypeID="0x01010043F7775CCE86F349BB7C51FB3CE6B150" ma:contentTypeVersion="0" ma:contentTypeDescription="Create a new document." ma:contentTypeScope="" ma:versionID="bb563817a2861b6b5994bd26a2ba9e40">
   <xsd:schema xmlns:xsd="http://www.w3.org/2001/XMLSchema" xmlns:xs="http://www.w3.org/2001/XMLSchema" xmlns:p="http://schemas.microsoft.com/office/2006/metadata/properties" targetNamespace="http://schemas.microsoft.com/office/2006/metadata/properties" ma:root="true" ma:fieldsID="c64490b4aec6201516c3a874156f37b2">
     <xsd:element name="properties">
@@ -11342,13 +10906,16 @@
 </ct:contentTypeSchema>
 </file>
 
-<file path=customXml/item2.xml><?xml version="1.0" encoding="utf-8"?>
-<p:properties xmlns:p="http://schemas.microsoft.com/office/2006/metadata/properties" xmlns:xsi="http://www.w3.org/2001/XMLSchema-instance">
-  <documentManagement/>
-</p:properties>
+<file path=customXml/item3.xml><?xml version="1.0" encoding="utf-8"?>
+<?mso-contentType ?>
+<FormTemplates xmlns="http://schemas.microsoft.com/sharepoint/v3/contenttype/forms">
+  <Display>DocumentLibraryForm</Display>
+  <Edit>DocumentLibraryForm</Edit>
+  <New>DocumentLibraryForm</New>
+</FormTemplates>
 </file>
 
-<file path=customXml/item3.xml><?xml version="1.0" encoding="utf-8"?>
+<file path=customXml/item4.xml><?xml version="1.0" encoding="utf-8"?>
 <outs:outSpaceData xmlns:outs="http://schemas.microsoft.com/office/2009/outspace/metadata">
   <outs:relatedDates>
     <outs:relatedDate>
@@ -11498,16 +11065,22 @@
 </outs:outSpaceData>
 </file>
 
-<file path=customXml/item4.xml><?xml version="1.0" encoding="utf-8"?>
-<?mso-contentType ?>
-<FormTemplates xmlns="http://schemas.microsoft.com/sharepoint/v3/contenttype/forms">
-  <Display>DocumentLibraryForm</Display>
-  <Edit>DocumentLibraryForm</Edit>
-  <New>DocumentLibraryForm</New>
-</FormTemplates>
+<file path=customXml/itemProps1.xml><?xml version="1.0" encoding="utf-8"?>
+<ds:datastoreItem xmlns:ds="http://schemas.openxmlformats.org/officeDocument/2006/customXml" ds:itemID="{A5547237-B119-45CA-BEFC-A2DA2BDB03E7}">
+  <ds:schemaRefs>
+    <ds:schemaRef ds:uri="http://schemas.microsoft.com/office/2006/metadata/properties"/>
+    <ds:schemaRef ds:uri="http://schemas.microsoft.com/office/2006/documentManagement/types"/>
+    <ds:schemaRef ds:uri="http://schemas.openxmlformats.org/package/2006/metadata/core-properties"/>
+    <ds:schemaRef ds:uri="http://purl.org/dc/elements/1.1/"/>
+    <ds:schemaRef ds:uri="http://schemas.microsoft.com/office/infopath/2007/PartnerControls"/>
+    <ds:schemaRef ds:uri="http://www.w3.org/XML/1998/namespace"/>
+    <ds:schemaRef ds:uri="http://purl.org/dc/dcmitype/"/>
+    <ds:schemaRef ds:uri="http://purl.org/dc/terms/"/>
+  </ds:schemaRefs>
+</ds:datastoreItem>
 </file>
 
-<file path=customXml/itemProps1.xml><?xml version="1.0" encoding="utf-8"?>
+<file path=customXml/itemProps2.xml><?xml version="1.0" encoding="utf-8"?>
 <ds:datastoreItem xmlns:ds="http://schemas.openxmlformats.org/officeDocument/2006/customXml" ds:itemID="{E31B5E98-6A59-4EC7-A18B-B1626004080B}">
   <ds:schemaRefs>
     <ds:schemaRef ds:uri="http://schemas.microsoft.com/office/2006/metadata/contentType"/>
@@ -11523,33 +11096,18 @@
 </ds:datastoreItem>
 </file>
 
-<file path=customXml/itemProps2.xml><?xml version="1.0" encoding="utf-8"?>
-<ds:datastoreItem xmlns:ds="http://schemas.openxmlformats.org/officeDocument/2006/customXml" ds:itemID="{A5547237-B119-45CA-BEFC-A2DA2BDB03E7}">
+<file path=customXml/itemProps3.xml><?xml version="1.0" encoding="utf-8"?>
+<ds:datastoreItem xmlns:ds="http://schemas.openxmlformats.org/officeDocument/2006/customXml" ds:itemID="{6034B84F-8F8E-48B7-9EFF-C7DE1A66BD73}">
   <ds:schemaRefs>
-    <ds:schemaRef ds:uri="http://schemas.microsoft.com/office/2006/metadata/properties"/>
-    <ds:schemaRef ds:uri="http://schemas.microsoft.com/office/2006/documentManagement/types"/>
-    <ds:schemaRef ds:uri="http://schemas.openxmlformats.org/package/2006/metadata/core-properties"/>
-    <ds:schemaRef ds:uri="http://purl.org/dc/elements/1.1/"/>
-    <ds:schemaRef ds:uri="http://schemas.microsoft.com/office/infopath/2007/PartnerControls"/>
-    <ds:schemaRef ds:uri="http://www.w3.org/XML/1998/namespace"/>
-    <ds:schemaRef ds:uri="http://purl.org/dc/dcmitype/"/>
-    <ds:schemaRef ds:uri="http://purl.org/dc/terms/"/>
+    <ds:schemaRef ds:uri="http://schemas.microsoft.com/sharepoint/v3/contenttype/forms"/>
   </ds:schemaRefs>
 </ds:datastoreItem>
 </file>
 
-<file path=customXml/itemProps3.xml><?xml version="1.0" encoding="utf-8"?>
+<file path=customXml/itemProps4.xml><?xml version="1.0" encoding="utf-8"?>
 <ds:datastoreItem xmlns:ds="http://schemas.openxmlformats.org/officeDocument/2006/customXml" ds:itemID="{8865FC99-B6BD-4E98-8312-F4F432C217EA}">
   <ds:schemaRefs>
     <ds:schemaRef ds:uri="http://schemas.microsoft.com/office/2009/outspace/metadata"/>
   </ds:schemaRefs>
 </ds:datastoreItem>
-</file>
-
-<file path=customXml/itemProps4.xml><?xml version="1.0" encoding="utf-8"?>
-<ds:datastoreItem xmlns:ds="http://schemas.openxmlformats.org/officeDocument/2006/customXml" ds:itemID="{6034B84F-8F8E-48B7-9EFF-C7DE1A66BD73}">
-  <ds:schemaRefs>
-    <ds:schemaRef ds:uri="http://schemas.microsoft.com/sharepoint/v3/contenttype/forms"/>
-  </ds:schemaRefs>
-</ds:datastoreItem>
 </file>